--- a/文档/第12组作业四：项目进展汇报.pptx
+++ b/文档/第12组作业四：项目进展汇报.pptx
@@ -6,21 +6,22 @@
     <p:sldMasterId id="2147483660" r:id="rId3"/>
   </p:sldMasterIdLst>
   <p:notesMasterIdLst>
-    <p:notesMasterId r:id="rId16"/>
+    <p:notesMasterId r:id="rId17"/>
   </p:notesMasterIdLst>
   <p:sldIdLst>
     <p:sldId id="256" r:id="rId4"/>
     <p:sldId id="265" r:id="rId5"/>
     <p:sldId id="257" r:id="rId6"/>
     <p:sldId id="258" r:id="rId7"/>
-    <p:sldId id="259" r:id="rId8"/>
-    <p:sldId id="273" r:id="rId9"/>
-    <p:sldId id="274" r:id="rId10"/>
-    <p:sldId id="260" r:id="rId11"/>
-    <p:sldId id="261" r:id="rId12"/>
-    <p:sldId id="262" r:id="rId13"/>
+    <p:sldId id="273" r:id="rId8"/>
+    <p:sldId id="274" r:id="rId9"/>
+    <p:sldId id="281" r:id="rId10"/>
+    <p:sldId id="280" r:id="rId11"/>
+    <p:sldId id="260" r:id="rId12"/>
+    <p:sldId id="261" r:id="rId13"/>
     <p:sldId id="275" r:id="rId14"/>
-    <p:sldId id="264" r:id="rId15"/>
+    <p:sldId id="262" r:id="rId15"/>
+    <p:sldId id="264" r:id="rId16"/>
   </p:sldIdLst>
   <p:sldSz cx="12192000" cy="6858000" type="screen16x9"/>
   <p:notesSz cx="6858000" cy="9144000"/>
@@ -6119,7 +6120,7 @@
   <p:cSld>
     <p:spTree>
       <p:nvGrpSpPr>
-        <p:cNvPr id="44" name=""/>
+        <p:cNvPr id="43" name=""/>
         <p:cNvGrpSpPr/>
         <p:nvPr/>
       </p:nvGrpSpPr>
@@ -6133,7 +6134,7 @@
       </p:grpSpPr>
       <p:sp>
         <p:nvSpPr>
-          <p:cNvPr id="1048610" name="标题 1"/>
+          <p:cNvPr id="1048609" name="标题 1"/>
           <p:cNvSpPr>
             <a:spLocks noGrp="1"/>
           </p:cNvSpPr>
@@ -6155,21 +6156,39 @@
             </a:r>
             <a:r>
               <a:rPr lang="zh-CN" altLang="en-US" dirty="0"/>
-              <a:t>人员管理（查询）</a:t>
+              <a:t>系统管理员</a:t>
+            </a:r>
+            <a:r>
+              <a:rPr lang="zh-CN" altLang="en-US" dirty="0"/>
+              <a:t>界面</a:t>
             </a:r>
             <a:endParaRPr lang="zh-CN" altLang="en-US" dirty="0"/>
+          </a:p>
+        </p:txBody>
+      </p:sp>
+      <p:sp>
+        <p:nvSpPr>
+          <p:cNvPr id="1" name="内容占位符 0"/>
+          <p:cNvSpPr/>
+          <p:nvPr>
+            <p:ph idx="1"/>
+          </p:nvPr>
+        </p:nvSpPr>
+        <p:spPr/>
+        <p:txBody>
+          <a:bodyPr/>
+          <a:p>
+            <a:endParaRPr lang="zh-CN" altLang="en-US"/>
           </a:p>
         </p:txBody>
       </p:sp>
       <p:pic>
         <p:nvPicPr>
-          <p:cNvPr id="2" name="内容占位符 1" descr="QQ截图20191012143659"/>
+          <p:cNvPr id="8" name="图片 7" descr="系统管理员界面（学员队）"/>
           <p:cNvPicPr>
             <a:picLocks noChangeAspect="1"/>
           </p:cNvPicPr>
-          <p:nvPr>
-            <p:ph idx="1"/>
-          </p:nvPr>
+          <p:nvPr/>
         </p:nvPicPr>
         <p:blipFill>
           <a:blip r:embed="rId1"/>
@@ -6179,8 +6198,8 @@
         </p:blipFill>
         <p:spPr>
           <a:xfrm>
-            <a:off x="342900" y="1690370"/>
-            <a:ext cx="7035800" cy="4351655"/>
+            <a:off x="838200" y="1401445"/>
+            <a:ext cx="7639050" cy="5200650"/>
           </a:xfrm>
           <a:prstGeom prst="rect">
             <a:avLst/>
@@ -6189,7 +6208,7 @@
       </p:pic>
       <p:pic>
         <p:nvPicPr>
-          <p:cNvPr id="3" name="图片 2" descr="QQ截图20191012144450"/>
+          <p:cNvPr id="3" name="图片 2" descr="系统管理员（学员）"/>
           <p:cNvPicPr>
             <a:picLocks noChangeAspect="1"/>
           </p:cNvPicPr>
@@ -6203,8 +6222,8 @@
         </p:blipFill>
         <p:spPr>
           <a:xfrm>
-            <a:off x="838200" y="1503680"/>
-            <a:ext cx="7639050" cy="4724400"/>
+            <a:off x="2059305" y="1400810"/>
+            <a:ext cx="7639050" cy="5200650"/>
           </a:xfrm>
           <a:prstGeom prst="rect">
             <a:avLst/>
@@ -6213,7 +6232,7 @@
       </p:pic>
       <p:pic>
         <p:nvPicPr>
-          <p:cNvPr id="4" name="图片 3" descr="QQ截图20191012144500"/>
+          <p:cNvPr id="9" name="图片 8" descr="添加学员信息"/>
           <p:cNvPicPr>
             <a:picLocks noChangeAspect="1"/>
           </p:cNvPicPr>
@@ -6227,8 +6246,8 @@
         </p:blipFill>
         <p:spPr>
           <a:xfrm>
-            <a:off x="1388745" y="1504950"/>
-            <a:ext cx="7639050" cy="4724400"/>
+            <a:off x="3276600" y="1400810"/>
+            <a:ext cx="7639050" cy="5200650"/>
           </a:xfrm>
           <a:prstGeom prst="rect">
             <a:avLst/>
@@ -6237,7 +6256,7 @@
       </p:pic>
       <p:pic>
         <p:nvPicPr>
-          <p:cNvPr id="6" name="图片 5" descr="QQ截图20191012144752"/>
+          <p:cNvPr id="10" name="图片 9" descr="添加学员信息2"/>
           <p:cNvPicPr>
             <a:picLocks noChangeAspect="1"/>
           </p:cNvPicPr>
@@ -6251,8 +6270,8 @@
         </p:blipFill>
         <p:spPr>
           <a:xfrm>
-            <a:off x="2186305" y="1503680"/>
-            <a:ext cx="7639050" cy="4724400"/>
+            <a:off x="4550410" y="1400810"/>
+            <a:ext cx="3479800" cy="5200015"/>
           </a:xfrm>
           <a:prstGeom prst="rect">
             <a:avLst/>
@@ -6261,7 +6280,7 @@
       </p:pic>
       <p:pic>
         <p:nvPicPr>
-          <p:cNvPr id="7" name="图片 6" descr="QQ截图20191012144602"/>
+          <p:cNvPr id="11" name="图片 10" descr="添加学员信息3"/>
           <p:cNvPicPr>
             <a:picLocks noChangeAspect="1"/>
           </p:cNvPicPr>
@@ -6275,8 +6294,56 @@
         </p:blipFill>
         <p:spPr>
           <a:xfrm>
-            <a:off x="1533525" y="1504950"/>
-            <a:ext cx="8943975" cy="4629150"/>
+            <a:off x="6009640" y="1400810"/>
+            <a:ext cx="3481705" cy="5202555"/>
+          </a:xfrm>
+          <a:prstGeom prst="rect">
+            <a:avLst/>
+          </a:prstGeom>
+        </p:spPr>
+      </p:pic>
+      <p:pic>
+        <p:nvPicPr>
+          <p:cNvPr id="12" name="图片 11" descr="确认添加学员信息"/>
+          <p:cNvPicPr>
+            <a:picLocks noChangeAspect="1"/>
+          </p:cNvPicPr>
+          <p:nvPr/>
+        </p:nvPicPr>
+        <p:blipFill>
+          <a:blip r:embed="rId6"/>
+          <a:stretch>
+            <a:fillRect/>
+          </a:stretch>
+        </p:blipFill>
+        <p:spPr>
+          <a:xfrm>
+            <a:off x="7240905" y="1400810"/>
+            <a:ext cx="3481705" cy="5202555"/>
+          </a:xfrm>
+          <a:prstGeom prst="rect">
+            <a:avLst/>
+          </a:prstGeom>
+        </p:spPr>
+      </p:pic>
+      <p:pic>
+        <p:nvPicPr>
+          <p:cNvPr id="13" name="图片 12" descr="删除学员信息"/>
+          <p:cNvPicPr>
+            <a:picLocks noChangeAspect="1"/>
+          </p:cNvPicPr>
+          <p:nvPr/>
+        </p:nvPicPr>
+        <p:blipFill>
+          <a:blip r:embed="rId7"/>
+          <a:stretch>
+            <a:fillRect/>
+          </a:stretch>
+        </p:blipFill>
+        <p:spPr>
+          <a:xfrm>
+            <a:off x="1667510" y="1402715"/>
+            <a:ext cx="7639050" cy="5200650"/>
           </a:xfrm>
           <a:prstGeom prst="rect">
             <a:avLst/>
@@ -6309,7 +6376,7 @@
                             </p:stCondLst>
                             <p:childTnLst>
                               <p:par>
-                                <p:cTn id="5" presetID="3" presetClass="entr" presetSubtype="10" fill="hold" nodeType="clickEffect">
+                                <p:cTn id="5" presetID="8" presetClass="entr" presetSubtype="16" fill="hold" nodeType="clickEffect">
                                   <p:stCondLst>
                                     <p:cond delay="0"/>
                                   </p:stCondLst>
@@ -6322,7 +6389,7 @@
                                           </p:stCondLst>
                                         </p:cTn>
                                         <p:tgtEl>
-                                          <p:spTgt spid="2"/>
+                                          <p:spTgt spid="8"/>
                                         </p:tgtEl>
                                         <p:attrNameLst>
                                           <p:attrName>style.visibility</p:attrName>
@@ -6332,11 +6399,11 @@
                                         <p:strVal val="visible"/>
                                       </p:to>
                                     </p:set>
-                                    <p:animEffect transition="in" filter="blinds(horizontal)">
+                                    <p:animEffect transition="in" filter="diamond(in)">
                                       <p:cBhvr>
-                                        <p:cTn id="7" dur="500"/>
+                                        <p:cTn id="7" dur="2000"/>
                                         <p:tgtEl>
-                                          <p:spTgt spid="2"/>
+                                          <p:spTgt spid="8"/>
                                         </p:tgtEl>
                                       </p:cBhvr>
                                     </p:animEffect>
@@ -6362,7 +6429,7 @@
                             </p:stCondLst>
                             <p:childTnLst>
                               <p:par>
-                                <p:cTn id="10" presetID="22" presetClass="entr" presetSubtype="4" fill="hold" nodeType="clickEffect">
+                                <p:cTn id="10" presetID="8" presetClass="entr" presetSubtype="16" fill="hold" nodeType="clickEffect">
                                   <p:stCondLst>
                                     <p:cond delay="0"/>
                                   </p:stCondLst>
@@ -6385,9 +6452,9 @@
                                         <p:strVal val="visible"/>
                                       </p:to>
                                     </p:set>
-                                    <p:animEffect transition="in" filter="wipe(down)">
+                                    <p:animEffect transition="in" filter="diamond(in)">
                                       <p:cBhvr>
-                                        <p:cTn id="12" dur="500"/>
+                                        <p:cTn id="12" dur="2000"/>
                                         <p:tgtEl>
                                           <p:spTgt spid="3"/>
                                         </p:tgtEl>
@@ -6415,7 +6482,7 @@
                             </p:stCondLst>
                             <p:childTnLst>
                               <p:par>
-                                <p:cTn id="15" presetID="1" presetClass="entr" presetSubtype="0" fill="hold" nodeType="clickEffect">
+                                <p:cTn id="15" presetID="8" presetClass="entr" presetSubtype="16" fill="hold" nodeType="clickEffect">
                                   <p:stCondLst>
                                     <p:cond delay="0"/>
                                   </p:stCondLst>
@@ -6428,7 +6495,113 @@
                                           </p:stCondLst>
                                         </p:cTn>
                                         <p:tgtEl>
-                                          <p:spTgt spid="4"/>
+                                          <p:spTgt spid="9"/>
+                                        </p:tgtEl>
+                                        <p:attrNameLst>
+                                          <p:attrName>style.visibility</p:attrName>
+                                        </p:attrNameLst>
+                                      </p:cBhvr>
+                                      <p:to>
+                                        <p:strVal val="visible"/>
+                                      </p:to>
+                                    </p:set>
+                                    <p:animEffect transition="in" filter="diamond(in)">
+                                      <p:cBhvr>
+                                        <p:cTn id="17" dur="2000"/>
+                                        <p:tgtEl>
+                                          <p:spTgt spid="9"/>
+                                        </p:tgtEl>
+                                      </p:cBhvr>
+                                    </p:animEffect>
+                                  </p:childTnLst>
+                                </p:cTn>
+                              </p:par>
+                            </p:childTnLst>
+                          </p:cTn>
+                        </p:par>
+                      </p:childTnLst>
+                    </p:cTn>
+                  </p:par>
+                  <p:par>
+                    <p:cTn id="18" fill="hold">
+                      <p:stCondLst>
+                        <p:cond delay="indefinite"/>
+                      </p:stCondLst>
+                      <p:childTnLst>
+                        <p:par>
+                          <p:cTn id="19" fill="hold">
+                            <p:stCondLst>
+                              <p:cond delay="0"/>
+                            </p:stCondLst>
+                            <p:childTnLst>
+                              <p:par>
+                                <p:cTn id="20" presetID="4" presetClass="entr" presetSubtype="16" fill="hold" nodeType="clickEffect">
+                                  <p:stCondLst>
+                                    <p:cond delay="0"/>
+                                  </p:stCondLst>
+                                  <p:childTnLst>
+                                    <p:set>
+                                      <p:cBhvr>
+                                        <p:cTn id="21" dur="1" fill="hold">
+                                          <p:stCondLst>
+                                            <p:cond delay="0"/>
+                                          </p:stCondLst>
+                                        </p:cTn>
+                                        <p:tgtEl>
+                                          <p:spTgt spid="10"/>
+                                        </p:tgtEl>
+                                        <p:attrNameLst>
+                                          <p:attrName>style.visibility</p:attrName>
+                                        </p:attrNameLst>
+                                      </p:cBhvr>
+                                      <p:to>
+                                        <p:strVal val="visible"/>
+                                      </p:to>
+                                    </p:set>
+                                    <p:animEffect transition="in" filter="box(in)">
+                                      <p:cBhvr>
+                                        <p:cTn id="22" dur="2000"/>
+                                        <p:tgtEl>
+                                          <p:spTgt spid="10"/>
+                                        </p:tgtEl>
+                                      </p:cBhvr>
+                                    </p:animEffect>
+                                  </p:childTnLst>
+                                </p:cTn>
+                              </p:par>
+                            </p:childTnLst>
+                          </p:cTn>
+                        </p:par>
+                      </p:childTnLst>
+                    </p:cTn>
+                  </p:par>
+                  <p:par>
+                    <p:cTn id="23" fill="hold">
+                      <p:stCondLst>
+                        <p:cond delay="indefinite"/>
+                      </p:stCondLst>
+                      <p:childTnLst>
+                        <p:par>
+                          <p:cTn id="24" fill="hold">
+                            <p:stCondLst>
+                              <p:cond delay="0"/>
+                            </p:stCondLst>
+                            <p:childTnLst>
+                              <p:par>
+                                <p:cTn id="25" presetID="1" presetClass="entr" presetSubtype="0" fill="hold" nodeType="clickEffect">
+                                  <p:stCondLst>
+                                    <p:cond delay="0"/>
+                                  </p:stCondLst>
+                                  <p:childTnLst>
+                                    <p:set>
+                                      <p:cBhvr>
+                                        <p:cTn id="26" dur="1" fill="hold">
+                                          <p:stCondLst>
+                                            <p:cond delay="0"/>
+                                          </p:stCondLst>
+                                        </p:cTn>
+                                        <p:tgtEl>
+                                          <p:spTgt spid="11"/>
                                         </p:tgtEl>
                                         <p:attrNameLst>
                                           <p:attrName>style.visibility</p:attrName>
@@ -6448,32 +6621,32 @@
                     </p:cTn>
                   </p:par>
                   <p:par>
-                    <p:cTn id="17" fill="hold">
+                    <p:cTn id="27" fill="hold">
                       <p:stCondLst>
                         <p:cond delay="indefinite"/>
                       </p:stCondLst>
                       <p:childTnLst>
                         <p:par>
-                          <p:cTn id="18" fill="hold">
+                          <p:cTn id="28" fill="hold">
                             <p:stCondLst>
                               <p:cond delay="0"/>
                             </p:stCondLst>
                             <p:childTnLst>
                               <p:par>
-                                <p:cTn id="19" presetID="4" presetClass="entr" presetSubtype="16" fill="hold" nodeType="clickEffect">
+                                <p:cTn id="29" presetID="8" presetClass="entr" presetSubtype="16" fill="hold" nodeType="clickEffect">
                                   <p:stCondLst>
                                     <p:cond delay="0"/>
                                   </p:stCondLst>
                                   <p:childTnLst>
                                     <p:set>
                                       <p:cBhvr>
-                                        <p:cTn id="20" dur="1" fill="hold">
+                                        <p:cTn id="30" dur="1" fill="hold">
                                           <p:stCondLst>
                                             <p:cond delay="0"/>
                                           </p:stCondLst>
                                         </p:cTn>
                                         <p:tgtEl>
-                                          <p:spTgt spid="6"/>
+                                          <p:spTgt spid="12"/>
                                         </p:tgtEl>
                                         <p:attrNameLst>
                                           <p:attrName>style.visibility</p:attrName>
@@ -6483,11 +6656,11 @@
                                         <p:strVal val="visible"/>
                                       </p:to>
                                     </p:set>
-                                    <p:animEffect transition="in" filter="box(in)">
+                                    <p:animEffect transition="in" filter="diamond(in)">
                                       <p:cBhvr>
-                                        <p:cTn id="21" dur="2000"/>
+                                        <p:cTn id="31" dur="2000"/>
                                         <p:tgtEl>
-                                          <p:spTgt spid="6"/>
+                                          <p:spTgt spid="12"/>
                                         </p:tgtEl>
                                       </p:cBhvr>
                                     </p:animEffect>
@@ -6501,32 +6674,32 @@
                     </p:cTn>
                   </p:par>
                   <p:par>
-                    <p:cTn id="22" fill="hold">
+                    <p:cTn id="32" fill="hold">
                       <p:stCondLst>
                         <p:cond delay="indefinite"/>
                       </p:stCondLst>
                       <p:childTnLst>
                         <p:par>
-                          <p:cTn id="23" fill="hold">
+                          <p:cTn id="33" fill="hold">
                             <p:stCondLst>
                               <p:cond delay="0"/>
                             </p:stCondLst>
                             <p:childTnLst>
                               <p:par>
-                                <p:cTn id="24" presetID="16" presetClass="entr" presetSubtype="21" fill="hold" nodeType="clickEffect">
+                                <p:cTn id="34" presetID="1" presetClass="entr" presetSubtype="0" fill="hold" nodeType="clickEffect">
                                   <p:stCondLst>
                                     <p:cond delay="0"/>
                                   </p:stCondLst>
                                   <p:childTnLst>
                                     <p:set>
                                       <p:cBhvr>
-                                        <p:cTn id="25" dur="1" fill="hold">
+                                        <p:cTn id="35" dur="1" fill="hold">
                                           <p:stCondLst>
                                             <p:cond delay="0"/>
                                           </p:stCondLst>
                                         </p:cTn>
                                         <p:tgtEl>
-                                          <p:spTgt spid="7"/>
+                                          <p:spTgt spid="13"/>
                                         </p:tgtEl>
                                         <p:attrNameLst>
                                           <p:attrName>style.visibility</p:attrName>
@@ -6536,14 +6709,6 @@
                                         <p:strVal val="visible"/>
                                       </p:to>
                                     </p:set>
-                                    <p:animEffect transition="in" filter="barn(inVertical)">
-                                      <p:cBhvr>
-                                        <p:cTn id="26" dur="500"/>
-                                        <p:tgtEl>
-                                          <p:spTgt spid="7"/>
-                                        </p:tgtEl>
-                                      </p:cBhvr>
-                                    </p:animEffect>
                                   </p:childTnLst>
                                 </p:cTn>
                               </p:par>
@@ -6612,21 +6777,35 @@
             </a:r>
             <a:r>
               <a:rPr lang="zh-CN" altLang="en-US"/>
-              <a:t>物资管理</a:t>
-            </a:r>
+              <a:t>学员界面</a:t>
+            </a:r>
+            <a:endParaRPr lang="zh-CN" altLang="en-US"/>
+          </a:p>
+        </p:txBody>
+      </p:sp>
+      <p:sp>
+        <p:nvSpPr>
+          <p:cNvPr id="3" name="内容占位符 2"/>
+          <p:cNvSpPr/>
+          <p:nvPr>
+            <p:ph idx="1"/>
+          </p:nvPr>
+        </p:nvSpPr>
+        <p:spPr/>
+        <p:txBody>
+          <a:bodyPr/>
+          <a:p>
             <a:endParaRPr lang="zh-CN" altLang="en-US"/>
           </a:p>
         </p:txBody>
       </p:sp>
       <p:pic>
         <p:nvPicPr>
-          <p:cNvPr id="11" name="内容占位符 10" descr="QQ截图20191014084500"/>
+          <p:cNvPr id="4" name="图片 3" descr="学员系统"/>
           <p:cNvPicPr>
             <a:picLocks noChangeAspect="1"/>
           </p:cNvPicPr>
-          <p:nvPr>
-            <p:ph idx="1"/>
-          </p:nvPr>
+          <p:nvPr/>
         </p:nvPicPr>
         <p:blipFill>
           <a:blip r:embed="rId1"/>
@@ -6636,8 +6815,8 @@
         </p:blipFill>
         <p:spPr>
           <a:xfrm>
-            <a:off x="273050" y="1556385"/>
-            <a:ext cx="4399915" cy="5200650"/>
+            <a:off x="838200" y="1691005"/>
+            <a:ext cx="6139815" cy="4775835"/>
           </a:xfrm>
           <a:prstGeom prst="rect">
             <a:avLst/>
@@ -6646,7 +6825,7 @@
       </p:pic>
       <p:pic>
         <p:nvPicPr>
-          <p:cNvPr id="12" name="图片 11" descr="QQ截图20191014084545"/>
+          <p:cNvPr id="5" name="图片 4" descr="查看个人信息"/>
           <p:cNvPicPr>
             <a:picLocks noChangeAspect="1"/>
           </p:cNvPicPr>
@@ -6660,8 +6839,8 @@
         </p:blipFill>
         <p:spPr>
           <a:xfrm>
-            <a:off x="1062990" y="1556385"/>
-            <a:ext cx="4400550" cy="5200650"/>
+            <a:off x="3570605" y="1704340"/>
+            <a:ext cx="6142990" cy="4777740"/>
           </a:xfrm>
           <a:prstGeom prst="rect">
             <a:avLst/>
@@ -6670,7 +6849,7 @@
       </p:pic>
       <p:pic>
         <p:nvPicPr>
-          <p:cNvPr id="13" name="图片 12" descr="QQ截图20191014084559"/>
+          <p:cNvPr id="8" name="图片 7" descr="请假系统"/>
           <p:cNvPicPr>
             <a:picLocks noChangeAspect="1"/>
           </p:cNvPicPr>
@@ -6684,80 +6863,8 @@
         </p:blipFill>
         <p:spPr>
           <a:xfrm>
-            <a:off x="1887855" y="1556385"/>
-            <a:ext cx="4400550" cy="5200650"/>
-          </a:xfrm>
-          <a:prstGeom prst="rect">
-            <a:avLst/>
-          </a:prstGeom>
-        </p:spPr>
-      </p:pic>
-      <p:pic>
-        <p:nvPicPr>
-          <p:cNvPr id="15" name="图片 14" descr="QQ截图20191014084939"/>
-          <p:cNvPicPr>
-            <a:picLocks noChangeAspect="1"/>
-          </p:cNvPicPr>
-          <p:nvPr/>
-        </p:nvPicPr>
-        <p:blipFill>
-          <a:blip r:embed="rId4"/>
-          <a:stretch>
-            <a:fillRect/>
-          </a:stretch>
-        </p:blipFill>
-        <p:spPr>
-          <a:xfrm>
-            <a:off x="2097405" y="1794510"/>
-            <a:ext cx="7639050" cy="4724400"/>
-          </a:xfrm>
-          <a:prstGeom prst="rect">
-            <a:avLst/>
-          </a:prstGeom>
-        </p:spPr>
-      </p:pic>
-      <p:pic>
-        <p:nvPicPr>
-          <p:cNvPr id="16" name="图片 15" descr="QQ截图20191014084946"/>
-          <p:cNvPicPr>
-            <a:picLocks noChangeAspect="1"/>
-          </p:cNvPicPr>
-          <p:nvPr/>
-        </p:nvPicPr>
-        <p:blipFill>
-          <a:blip r:embed="rId5"/>
-          <a:stretch>
-            <a:fillRect/>
-          </a:stretch>
-        </p:blipFill>
-        <p:spPr>
-          <a:xfrm>
-            <a:off x="3055620" y="1794510"/>
-            <a:ext cx="7639050" cy="4724400"/>
-          </a:xfrm>
-          <a:prstGeom prst="rect">
-            <a:avLst/>
-          </a:prstGeom>
-        </p:spPr>
-      </p:pic>
-      <p:pic>
-        <p:nvPicPr>
-          <p:cNvPr id="17" name="图片 16" descr="QQ截图20191014085010"/>
-          <p:cNvPicPr>
-            <a:picLocks noChangeAspect="1"/>
-          </p:cNvPicPr>
-          <p:nvPr/>
-        </p:nvPicPr>
-        <p:blipFill>
-          <a:blip r:embed="rId6"/>
-          <a:stretch>
-            <a:fillRect/>
-          </a:stretch>
-        </p:blipFill>
-        <p:spPr>
-          <a:xfrm>
-            <a:off x="4140835" y="1794510"/>
-            <a:ext cx="7639050" cy="4724400"/>
+            <a:off x="5107305" y="1704340"/>
+            <a:ext cx="4843780" cy="4791075"/>
           </a:xfrm>
           <a:prstGeom prst="rect">
             <a:avLst/>
@@ -6803,7 +6910,7 @@
                                           </p:stCondLst>
                                         </p:cTn>
                                         <p:tgtEl>
-                                          <p:spTgt spid="11"/>
+                                          <p:spTgt spid="4"/>
                                         </p:tgtEl>
                                         <p:attrNameLst>
                                           <p:attrName>style.visibility</p:attrName>
@@ -6817,7 +6924,7 @@
                                       <p:cBhvr>
                                         <p:cTn id="7" dur="500"/>
                                         <p:tgtEl>
-                                          <p:spTgt spid="11"/>
+                                          <p:spTgt spid="4"/>
                                         </p:tgtEl>
                                       </p:cBhvr>
                                     </p:animEffect>
@@ -6843,7 +6950,7 @@
                             </p:stCondLst>
                             <p:childTnLst>
                               <p:par>
-                                <p:cTn id="10" presetID="8" presetClass="entr" presetSubtype="16" fill="hold" nodeType="clickEffect">
+                                <p:cTn id="10" presetID="1" presetClass="entr" presetSubtype="0" fill="hold" nodeType="clickEffect">
                                   <p:stCondLst>
                                     <p:cond delay="0"/>
                                   </p:stCondLst>
@@ -6856,60 +6963,7 @@
                                           </p:stCondLst>
                                         </p:cTn>
                                         <p:tgtEl>
-                                          <p:spTgt spid="12"/>
-                                        </p:tgtEl>
-                                        <p:attrNameLst>
-                                          <p:attrName>style.visibility</p:attrName>
-                                        </p:attrNameLst>
-                                      </p:cBhvr>
-                                      <p:to>
-                                        <p:strVal val="visible"/>
-                                      </p:to>
-                                    </p:set>
-                                    <p:animEffect transition="in" filter="diamond(in)">
-                                      <p:cBhvr>
-                                        <p:cTn id="12" dur="2000"/>
-                                        <p:tgtEl>
-                                          <p:spTgt spid="12"/>
-                                        </p:tgtEl>
-                                      </p:cBhvr>
-                                    </p:animEffect>
-                                  </p:childTnLst>
-                                </p:cTn>
-                              </p:par>
-                            </p:childTnLst>
-                          </p:cTn>
-                        </p:par>
-                      </p:childTnLst>
-                    </p:cTn>
-                  </p:par>
-                  <p:par>
-                    <p:cTn id="13" fill="hold">
-                      <p:stCondLst>
-                        <p:cond delay="indefinite"/>
-                      </p:stCondLst>
-                      <p:childTnLst>
-                        <p:par>
-                          <p:cTn id="14" fill="hold">
-                            <p:stCondLst>
-                              <p:cond delay="0"/>
-                            </p:stCondLst>
-                            <p:childTnLst>
-                              <p:par>
-                                <p:cTn id="15" presetID="1" presetClass="entr" presetSubtype="0" fill="hold" nodeType="clickEffect">
-                                  <p:stCondLst>
-                                    <p:cond delay="0"/>
-                                  </p:stCondLst>
-                                  <p:childTnLst>
-                                    <p:set>
-                                      <p:cBhvr>
-                                        <p:cTn id="16" dur="1" fill="hold">
-                                          <p:stCondLst>
-                                            <p:cond delay="0"/>
-                                          </p:stCondLst>
-                                        </p:cTn>
-                                        <p:tgtEl>
-                                          <p:spTgt spid="13"/>
+                                          <p:spTgt spid="5"/>
                                         </p:tgtEl>
                                         <p:attrNameLst>
                                           <p:attrName>style.visibility</p:attrName>
@@ -6929,32 +6983,32 @@
                     </p:cTn>
                   </p:par>
                   <p:par>
-                    <p:cTn id="17" fill="hold">
+                    <p:cTn id="12" fill="hold">
                       <p:stCondLst>
                         <p:cond delay="indefinite"/>
                       </p:stCondLst>
                       <p:childTnLst>
                         <p:par>
-                          <p:cTn id="18" fill="hold">
+                          <p:cTn id="13" fill="hold">
                             <p:stCondLst>
                               <p:cond delay="0"/>
                             </p:stCondLst>
                             <p:childTnLst>
                               <p:par>
-                                <p:cTn id="19" presetID="4" presetClass="entr" presetSubtype="16" fill="hold" nodeType="clickEffect">
+                                <p:cTn id="14" presetID="22" presetClass="entr" presetSubtype="4" fill="hold" nodeType="clickEffect">
                                   <p:stCondLst>
                                     <p:cond delay="0"/>
                                   </p:stCondLst>
                                   <p:childTnLst>
                                     <p:set>
                                       <p:cBhvr>
-                                        <p:cTn id="20" dur="1" fill="hold">
+                                        <p:cTn id="15" dur="1" fill="hold">
                                           <p:stCondLst>
                                             <p:cond delay="0"/>
                                           </p:stCondLst>
                                         </p:cTn>
                                         <p:tgtEl>
-                                          <p:spTgt spid="15"/>
+                                          <p:spTgt spid="8"/>
                                         </p:tgtEl>
                                         <p:attrNameLst>
                                           <p:attrName>style.visibility</p:attrName>
@@ -6964,117 +7018,11 @@
                                         <p:strVal val="visible"/>
                                       </p:to>
                                     </p:set>
-                                    <p:animEffect transition="in" filter="box(in)">
+                                    <p:animEffect transition="in" filter="wipe(down)">
                                       <p:cBhvr>
-                                        <p:cTn id="21" dur="2000"/>
+                                        <p:cTn id="16" dur="500"/>
                                         <p:tgtEl>
-                                          <p:spTgt spid="15"/>
-                                        </p:tgtEl>
-                                      </p:cBhvr>
-                                    </p:animEffect>
-                                  </p:childTnLst>
-                                </p:cTn>
-                              </p:par>
-                            </p:childTnLst>
-                          </p:cTn>
-                        </p:par>
-                      </p:childTnLst>
-                    </p:cTn>
-                  </p:par>
-                  <p:par>
-                    <p:cTn id="22" fill="hold">
-                      <p:stCondLst>
-                        <p:cond delay="indefinite"/>
-                      </p:stCondLst>
-                      <p:childTnLst>
-                        <p:par>
-                          <p:cTn id="23" fill="hold">
-                            <p:stCondLst>
-                              <p:cond delay="0"/>
-                            </p:stCondLst>
-                            <p:childTnLst>
-                              <p:par>
-                                <p:cTn id="24" presetID="16" presetClass="entr" presetSubtype="21" fill="hold" nodeType="clickEffect">
-                                  <p:stCondLst>
-                                    <p:cond delay="0"/>
-                                  </p:stCondLst>
-                                  <p:childTnLst>
-                                    <p:set>
-                                      <p:cBhvr>
-                                        <p:cTn id="25" dur="1" fill="hold">
-                                          <p:stCondLst>
-                                            <p:cond delay="0"/>
-                                          </p:stCondLst>
-                                        </p:cTn>
-                                        <p:tgtEl>
-                                          <p:spTgt spid="16"/>
-                                        </p:tgtEl>
-                                        <p:attrNameLst>
-                                          <p:attrName>style.visibility</p:attrName>
-                                        </p:attrNameLst>
-                                      </p:cBhvr>
-                                      <p:to>
-                                        <p:strVal val="visible"/>
-                                      </p:to>
-                                    </p:set>
-                                    <p:animEffect transition="in" filter="barn(inVertical)">
-                                      <p:cBhvr>
-                                        <p:cTn id="26" dur="500"/>
-                                        <p:tgtEl>
-                                          <p:spTgt spid="16"/>
-                                        </p:tgtEl>
-                                      </p:cBhvr>
-                                    </p:animEffect>
-                                  </p:childTnLst>
-                                </p:cTn>
-                              </p:par>
-                            </p:childTnLst>
-                          </p:cTn>
-                        </p:par>
-                      </p:childTnLst>
-                    </p:cTn>
-                  </p:par>
-                  <p:par>
-                    <p:cTn id="27" fill="hold">
-                      <p:stCondLst>
-                        <p:cond delay="indefinite"/>
-                      </p:stCondLst>
-                      <p:childTnLst>
-                        <p:par>
-                          <p:cTn id="28" fill="hold">
-                            <p:stCondLst>
-                              <p:cond delay="0"/>
-                            </p:stCondLst>
-                            <p:childTnLst>
-                              <p:par>
-                                <p:cTn id="29" presetID="8" presetClass="entr" presetSubtype="16" fill="hold" nodeType="clickEffect">
-                                  <p:stCondLst>
-                                    <p:cond delay="0"/>
-                                  </p:stCondLst>
-                                  <p:childTnLst>
-                                    <p:set>
-                                      <p:cBhvr>
-                                        <p:cTn id="30" dur="1" fill="hold">
-                                          <p:stCondLst>
-                                            <p:cond delay="0"/>
-                                          </p:stCondLst>
-                                        </p:cTn>
-                                        <p:tgtEl>
-                                          <p:spTgt spid="17"/>
-                                        </p:tgtEl>
-                                        <p:attrNameLst>
-                                          <p:attrName>style.visibility</p:attrName>
-                                        </p:attrNameLst>
-                                      </p:cBhvr>
-                                      <p:to>
-                                        <p:strVal val="visible"/>
-                                      </p:to>
-                                    </p:set>
-                                    <p:animEffect transition="in" filter="diamond(in)">
-                                      <p:cBhvr>
-                                        <p:cTn id="31" dur="2000"/>
-                                        <p:tgtEl>
-                                          <p:spTgt spid="17"/>
+                                          <p:spTgt spid="8"/>
                                         </p:tgtEl>
                                       </p:cBhvr>
                                     </p:animEffect>
@@ -7117,6 +7065,784 @@
   <p:cSld>
     <p:spTree>
       <p:nvGrpSpPr>
+        <p:cNvPr id="44" name=""/>
+        <p:cNvGrpSpPr/>
+        <p:nvPr/>
+      </p:nvGrpSpPr>
+      <p:grpSpPr>
+        <a:xfrm>
+          <a:off x="0" y="0"/>
+          <a:ext cx="0" cy="0"/>
+          <a:chOff x="0" y="0"/>
+          <a:chExt cx="0" cy="0"/>
+        </a:xfrm>
+      </p:grpSpPr>
+      <p:sp>
+        <p:nvSpPr>
+          <p:cNvPr id="1048610" name="标题 1"/>
+          <p:cNvSpPr>
+            <a:spLocks noGrp="1"/>
+          </p:cNvSpPr>
+          <p:nvPr>
+            <p:ph type="title"/>
+          </p:nvPr>
+        </p:nvSpPr>
+        <p:spPr/>
+        <p:txBody>
+          <a:bodyPr/>
+          <a:p>
+            <a:r>
+              <a:rPr lang="zh-CN" altLang="en-US" dirty="0"/>
+              <a:t>三、系统界面</a:t>
+            </a:r>
+            <a:r>
+              <a:rPr lang="en-US" altLang="zh-CN" dirty="0"/>
+              <a:t>——</a:t>
+            </a:r>
+            <a:r>
+              <a:rPr lang="zh-CN" altLang="en-US" dirty="0"/>
+              <a:t>学员队界面</a:t>
+            </a:r>
+            <a:endParaRPr lang="zh-CN" altLang="en-US" dirty="0"/>
+          </a:p>
+        </p:txBody>
+      </p:sp>
+      <p:sp>
+        <p:nvSpPr>
+          <p:cNvPr id="1" name="内容占位符 0"/>
+          <p:cNvSpPr/>
+          <p:nvPr>
+            <p:ph idx="1"/>
+          </p:nvPr>
+        </p:nvSpPr>
+        <p:spPr/>
+        <p:txBody>
+          <a:bodyPr/>
+          <a:p>
+            <a:endParaRPr lang="zh-CN" altLang="en-US"/>
+          </a:p>
+        </p:txBody>
+      </p:sp>
+      <p:pic>
+        <p:nvPicPr>
+          <p:cNvPr id="5" name="图片 4" descr="图片1"/>
+          <p:cNvPicPr>
+            <a:picLocks noChangeAspect="1"/>
+          </p:cNvPicPr>
+          <p:nvPr/>
+        </p:nvPicPr>
+        <p:blipFill>
+          <a:blip r:embed="rId1"/>
+          <a:stretch>
+            <a:fillRect/>
+          </a:stretch>
+        </p:blipFill>
+        <p:spPr>
+          <a:xfrm>
+            <a:off x="251460" y="1417955"/>
+            <a:ext cx="6413500" cy="5166360"/>
+          </a:xfrm>
+          <a:prstGeom prst="rect">
+            <a:avLst/>
+          </a:prstGeom>
+        </p:spPr>
+      </p:pic>
+      <p:pic>
+        <p:nvPicPr>
+          <p:cNvPr id="12" name="图片 11" descr="学员查询"/>
+          <p:cNvPicPr>
+            <a:picLocks noChangeAspect="1"/>
+          </p:cNvPicPr>
+          <p:nvPr/>
+        </p:nvPicPr>
+        <p:blipFill>
+          <a:blip r:embed="rId2"/>
+          <a:stretch>
+            <a:fillRect/>
+          </a:stretch>
+        </p:blipFill>
+        <p:spPr>
+          <a:xfrm>
+            <a:off x="838200" y="1417955"/>
+            <a:ext cx="7639050" cy="5166360"/>
+          </a:xfrm>
+          <a:prstGeom prst="rect">
+            <a:avLst/>
+          </a:prstGeom>
+        </p:spPr>
+      </p:pic>
+      <p:pic>
+        <p:nvPicPr>
+          <p:cNvPr id="10" name="图片 9" descr="学员查询（关键字）"/>
+          <p:cNvPicPr>
+            <a:picLocks noChangeAspect="1"/>
+          </p:cNvPicPr>
+          <p:nvPr/>
+        </p:nvPicPr>
+        <p:blipFill>
+          <a:blip r:embed="rId3"/>
+          <a:stretch>
+            <a:fillRect/>
+          </a:stretch>
+        </p:blipFill>
+        <p:spPr>
+          <a:xfrm>
+            <a:off x="995680" y="1984375"/>
+            <a:ext cx="2974340" cy="2538095"/>
+          </a:xfrm>
+          <a:prstGeom prst="rect">
+            <a:avLst/>
+          </a:prstGeom>
+        </p:spPr>
+      </p:pic>
+      <p:pic>
+        <p:nvPicPr>
+          <p:cNvPr id="9" name="图片 8" descr="学员队物资管理"/>
+          <p:cNvPicPr>
+            <a:picLocks noChangeAspect="1"/>
+          </p:cNvPicPr>
+          <p:nvPr/>
+        </p:nvPicPr>
+        <p:blipFill>
+          <a:blip r:embed="rId4"/>
+          <a:stretch>
+            <a:fillRect/>
+          </a:stretch>
+        </p:blipFill>
+        <p:spPr>
+          <a:xfrm>
+            <a:off x="1398270" y="1433195"/>
+            <a:ext cx="7849235" cy="5186045"/>
+          </a:xfrm>
+          <a:prstGeom prst="rect">
+            <a:avLst/>
+          </a:prstGeom>
+        </p:spPr>
+      </p:pic>
+      <p:pic>
+        <p:nvPicPr>
+          <p:cNvPr id="11" name="图片 10" descr="物资管理（关键字）"/>
+          <p:cNvPicPr>
+            <a:picLocks noChangeAspect="1"/>
+          </p:cNvPicPr>
+          <p:nvPr/>
+        </p:nvPicPr>
+        <p:blipFill>
+          <a:blip r:embed="rId5"/>
+          <a:stretch>
+            <a:fillRect/>
+          </a:stretch>
+        </p:blipFill>
+        <p:spPr>
+          <a:xfrm>
+            <a:off x="1558290" y="1984375"/>
+            <a:ext cx="3427730" cy="1492250"/>
+          </a:xfrm>
+          <a:prstGeom prst="rect">
+            <a:avLst/>
+          </a:prstGeom>
+        </p:spPr>
+      </p:pic>
+      <p:pic>
+        <p:nvPicPr>
+          <p:cNvPr id="13" name="图片 12" descr="请销假系统"/>
+          <p:cNvPicPr>
+            <a:picLocks noChangeAspect="1"/>
+          </p:cNvPicPr>
+          <p:nvPr/>
+        </p:nvPicPr>
+        <p:blipFill>
+          <a:blip r:embed="rId6"/>
+          <a:stretch>
+            <a:fillRect/>
+          </a:stretch>
+        </p:blipFill>
+        <p:spPr>
+          <a:xfrm>
+            <a:off x="1932305" y="1433195"/>
+            <a:ext cx="7639050" cy="5200650"/>
+          </a:xfrm>
+          <a:prstGeom prst="rect">
+            <a:avLst/>
+          </a:prstGeom>
+        </p:spPr>
+      </p:pic>
+      <p:pic>
+        <p:nvPicPr>
+          <p:cNvPr id="14" name="图片 13" descr="批假1"/>
+          <p:cNvPicPr>
+            <a:picLocks noChangeAspect="1"/>
+          </p:cNvPicPr>
+          <p:nvPr/>
+        </p:nvPicPr>
+        <p:blipFill>
+          <a:blip r:embed="rId7"/>
+          <a:stretch>
+            <a:fillRect/>
+          </a:stretch>
+        </p:blipFill>
+        <p:spPr>
+          <a:xfrm>
+            <a:off x="2656205" y="1433195"/>
+            <a:ext cx="7639050" cy="5200650"/>
+          </a:xfrm>
+          <a:prstGeom prst="rect">
+            <a:avLst/>
+          </a:prstGeom>
+        </p:spPr>
+      </p:pic>
+      <p:pic>
+        <p:nvPicPr>
+          <p:cNvPr id="15" name="图片 14" descr="批假2"/>
+          <p:cNvPicPr>
+            <a:picLocks noChangeAspect="1"/>
+          </p:cNvPicPr>
+          <p:nvPr/>
+        </p:nvPicPr>
+        <p:blipFill>
+          <a:blip r:embed="rId8"/>
+          <a:stretch>
+            <a:fillRect/>
+          </a:stretch>
+        </p:blipFill>
+        <p:spPr>
+          <a:xfrm>
+            <a:off x="3411855" y="1433195"/>
+            <a:ext cx="7639050" cy="5200650"/>
+          </a:xfrm>
+          <a:prstGeom prst="rect">
+            <a:avLst/>
+          </a:prstGeom>
+        </p:spPr>
+      </p:pic>
+      <p:pic>
+        <p:nvPicPr>
+          <p:cNvPr id="16" name="图片 15" descr="批假3"/>
+          <p:cNvPicPr>
+            <a:picLocks noChangeAspect="1"/>
+          </p:cNvPicPr>
+          <p:nvPr/>
+        </p:nvPicPr>
+        <p:blipFill>
+          <a:blip r:embed="rId9"/>
+          <a:stretch>
+            <a:fillRect/>
+          </a:stretch>
+        </p:blipFill>
+        <p:spPr>
+          <a:xfrm>
+            <a:off x="4199255" y="1433195"/>
+            <a:ext cx="7639050" cy="5200650"/>
+          </a:xfrm>
+          <a:prstGeom prst="rect">
+            <a:avLst/>
+          </a:prstGeom>
+        </p:spPr>
+      </p:pic>
+    </p:spTree>
+  </p:cSld>
+  <p:clrMapOvr>
+    <a:masterClrMapping/>
+  </p:clrMapOvr>
+  <p:timing>
+    <p:tnLst>
+      <p:par>
+        <p:cTn id="1" dur="indefinite" restart="never" nodeType="tmRoot">
+          <p:childTnLst>
+            <p:seq concurrent="1" nextAc="seek">
+              <p:cTn id="2" dur="indefinite" nodeType="mainSeq">
+                <p:childTnLst>
+                  <p:par>
+                    <p:cTn id="3" fill="hold">
+                      <p:stCondLst>
+                        <p:cond delay="indefinite"/>
+                      </p:stCondLst>
+                      <p:childTnLst>
+                        <p:par>
+                          <p:cTn id="4" fill="hold">
+                            <p:stCondLst>
+                              <p:cond delay="0"/>
+                            </p:stCondLst>
+                            <p:childTnLst>
+                              <p:par>
+                                <p:cTn id="5" presetID="1" presetClass="entr" presetSubtype="0" fill="hold" nodeType="clickEffect">
+                                  <p:stCondLst>
+                                    <p:cond delay="0"/>
+                                  </p:stCondLst>
+                                  <p:childTnLst>
+                                    <p:set>
+                                      <p:cBhvr>
+                                        <p:cTn id="6" dur="1" fill="hold">
+                                          <p:stCondLst>
+                                            <p:cond delay="0"/>
+                                          </p:stCondLst>
+                                        </p:cTn>
+                                        <p:tgtEl>
+                                          <p:spTgt spid="5"/>
+                                        </p:tgtEl>
+                                        <p:attrNameLst>
+                                          <p:attrName>style.visibility</p:attrName>
+                                        </p:attrNameLst>
+                                      </p:cBhvr>
+                                      <p:to>
+                                        <p:strVal val="visible"/>
+                                      </p:to>
+                                    </p:set>
+                                  </p:childTnLst>
+                                </p:cTn>
+                              </p:par>
+                            </p:childTnLst>
+                          </p:cTn>
+                        </p:par>
+                      </p:childTnLst>
+                    </p:cTn>
+                  </p:par>
+                  <p:par>
+                    <p:cTn id="7" fill="hold">
+                      <p:stCondLst>
+                        <p:cond delay="indefinite"/>
+                      </p:stCondLst>
+                      <p:childTnLst>
+                        <p:par>
+                          <p:cTn id="8" fill="hold">
+                            <p:stCondLst>
+                              <p:cond delay="0"/>
+                            </p:stCondLst>
+                            <p:childTnLst>
+                              <p:par>
+                                <p:cTn id="9" presetID="22" presetClass="entr" presetSubtype="4" fill="hold" nodeType="clickEffect">
+                                  <p:stCondLst>
+                                    <p:cond delay="0"/>
+                                  </p:stCondLst>
+                                  <p:childTnLst>
+                                    <p:set>
+                                      <p:cBhvr>
+                                        <p:cTn id="10" dur="1" fill="hold">
+                                          <p:stCondLst>
+                                            <p:cond delay="0"/>
+                                          </p:stCondLst>
+                                        </p:cTn>
+                                        <p:tgtEl>
+                                          <p:spTgt spid="12"/>
+                                        </p:tgtEl>
+                                        <p:attrNameLst>
+                                          <p:attrName>style.visibility</p:attrName>
+                                        </p:attrNameLst>
+                                      </p:cBhvr>
+                                      <p:to>
+                                        <p:strVal val="visible"/>
+                                      </p:to>
+                                    </p:set>
+                                    <p:animEffect transition="in" filter="wipe(down)">
+                                      <p:cBhvr>
+                                        <p:cTn id="11" dur="500"/>
+                                        <p:tgtEl>
+                                          <p:spTgt spid="12"/>
+                                        </p:tgtEl>
+                                      </p:cBhvr>
+                                    </p:animEffect>
+                                  </p:childTnLst>
+                                </p:cTn>
+                              </p:par>
+                            </p:childTnLst>
+                          </p:cTn>
+                        </p:par>
+                      </p:childTnLst>
+                    </p:cTn>
+                  </p:par>
+                  <p:par>
+                    <p:cTn id="12" fill="hold">
+                      <p:stCondLst>
+                        <p:cond delay="indefinite"/>
+                      </p:stCondLst>
+                      <p:childTnLst>
+                        <p:par>
+                          <p:cTn id="13" fill="hold">
+                            <p:stCondLst>
+                              <p:cond delay="0"/>
+                            </p:stCondLst>
+                            <p:childTnLst>
+                              <p:par>
+                                <p:cTn id="14" presetID="22" presetClass="entr" presetSubtype="4" fill="hold" nodeType="clickEffect">
+                                  <p:stCondLst>
+                                    <p:cond delay="0"/>
+                                  </p:stCondLst>
+                                  <p:childTnLst>
+                                    <p:set>
+                                      <p:cBhvr>
+                                        <p:cTn id="15" dur="1" fill="hold">
+                                          <p:stCondLst>
+                                            <p:cond delay="0"/>
+                                          </p:stCondLst>
+                                        </p:cTn>
+                                        <p:tgtEl>
+                                          <p:spTgt spid="10"/>
+                                        </p:tgtEl>
+                                        <p:attrNameLst>
+                                          <p:attrName>style.visibility</p:attrName>
+                                        </p:attrNameLst>
+                                      </p:cBhvr>
+                                      <p:to>
+                                        <p:strVal val="visible"/>
+                                      </p:to>
+                                    </p:set>
+                                    <p:animEffect transition="in" filter="wipe(down)">
+                                      <p:cBhvr>
+                                        <p:cTn id="16" dur="500"/>
+                                        <p:tgtEl>
+                                          <p:spTgt spid="10"/>
+                                        </p:tgtEl>
+                                      </p:cBhvr>
+                                    </p:animEffect>
+                                  </p:childTnLst>
+                                </p:cTn>
+                              </p:par>
+                            </p:childTnLst>
+                          </p:cTn>
+                        </p:par>
+                      </p:childTnLst>
+                    </p:cTn>
+                  </p:par>
+                  <p:par>
+                    <p:cTn id="17" fill="hold">
+                      <p:stCondLst>
+                        <p:cond delay="indefinite"/>
+                      </p:stCondLst>
+                      <p:childTnLst>
+                        <p:par>
+                          <p:cTn id="18" fill="hold">
+                            <p:stCondLst>
+                              <p:cond delay="0"/>
+                            </p:stCondLst>
+                            <p:childTnLst>
+                              <p:par>
+                                <p:cTn id="19" presetID="22" presetClass="entr" presetSubtype="4" fill="hold" nodeType="clickEffect">
+                                  <p:stCondLst>
+                                    <p:cond delay="0"/>
+                                  </p:stCondLst>
+                                  <p:childTnLst>
+                                    <p:set>
+                                      <p:cBhvr>
+                                        <p:cTn id="20" dur="1" fill="hold">
+                                          <p:stCondLst>
+                                            <p:cond delay="0"/>
+                                          </p:stCondLst>
+                                        </p:cTn>
+                                        <p:tgtEl>
+                                          <p:spTgt spid="9"/>
+                                        </p:tgtEl>
+                                        <p:attrNameLst>
+                                          <p:attrName>style.visibility</p:attrName>
+                                        </p:attrNameLst>
+                                      </p:cBhvr>
+                                      <p:to>
+                                        <p:strVal val="visible"/>
+                                      </p:to>
+                                    </p:set>
+                                    <p:animEffect transition="in" filter="wipe(down)">
+                                      <p:cBhvr>
+                                        <p:cTn id="21" dur="500"/>
+                                        <p:tgtEl>
+                                          <p:spTgt spid="9"/>
+                                        </p:tgtEl>
+                                      </p:cBhvr>
+                                    </p:animEffect>
+                                  </p:childTnLst>
+                                </p:cTn>
+                              </p:par>
+                            </p:childTnLst>
+                          </p:cTn>
+                        </p:par>
+                      </p:childTnLst>
+                    </p:cTn>
+                  </p:par>
+                  <p:par>
+                    <p:cTn id="22" fill="hold">
+                      <p:stCondLst>
+                        <p:cond delay="indefinite"/>
+                      </p:stCondLst>
+                      <p:childTnLst>
+                        <p:par>
+                          <p:cTn id="23" fill="hold">
+                            <p:stCondLst>
+                              <p:cond delay="0"/>
+                            </p:stCondLst>
+                            <p:childTnLst>
+                              <p:par>
+                                <p:cTn id="24" presetID="22" presetClass="entr" presetSubtype="4" fill="hold" nodeType="clickEffect">
+                                  <p:stCondLst>
+                                    <p:cond delay="0"/>
+                                  </p:stCondLst>
+                                  <p:childTnLst>
+                                    <p:set>
+                                      <p:cBhvr>
+                                        <p:cTn id="25" dur="1" fill="hold">
+                                          <p:stCondLst>
+                                            <p:cond delay="0"/>
+                                          </p:stCondLst>
+                                        </p:cTn>
+                                        <p:tgtEl>
+                                          <p:spTgt spid="11"/>
+                                        </p:tgtEl>
+                                        <p:attrNameLst>
+                                          <p:attrName>style.visibility</p:attrName>
+                                        </p:attrNameLst>
+                                      </p:cBhvr>
+                                      <p:to>
+                                        <p:strVal val="visible"/>
+                                      </p:to>
+                                    </p:set>
+                                    <p:animEffect transition="in" filter="wipe(down)">
+                                      <p:cBhvr>
+                                        <p:cTn id="26" dur="500"/>
+                                        <p:tgtEl>
+                                          <p:spTgt spid="11"/>
+                                        </p:tgtEl>
+                                      </p:cBhvr>
+                                    </p:animEffect>
+                                  </p:childTnLst>
+                                </p:cTn>
+                              </p:par>
+                            </p:childTnLst>
+                          </p:cTn>
+                        </p:par>
+                      </p:childTnLst>
+                    </p:cTn>
+                  </p:par>
+                  <p:par>
+                    <p:cTn id="27" fill="hold">
+                      <p:stCondLst>
+                        <p:cond delay="indefinite"/>
+                      </p:stCondLst>
+                      <p:childTnLst>
+                        <p:par>
+                          <p:cTn id="28" fill="hold">
+                            <p:stCondLst>
+                              <p:cond delay="0"/>
+                            </p:stCondLst>
+                            <p:childTnLst>
+                              <p:par>
+                                <p:cTn id="29" presetID="4" presetClass="entr" presetSubtype="16" fill="hold" nodeType="clickEffect">
+                                  <p:stCondLst>
+                                    <p:cond delay="0"/>
+                                  </p:stCondLst>
+                                  <p:childTnLst>
+                                    <p:set>
+                                      <p:cBhvr>
+                                        <p:cTn id="30" dur="1" fill="hold">
+                                          <p:stCondLst>
+                                            <p:cond delay="0"/>
+                                          </p:stCondLst>
+                                        </p:cTn>
+                                        <p:tgtEl>
+                                          <p:spTgt spid="13"/>
+                                        </p:tgtEl>
+                                        <p:attrNameLst>
+                                          <p:attrName>style.visibility</p:attrName>
+                                        </p:attrNameLst>
+                                      </p:cBhvr>
+                                      <p:to>
+                                        <p:strVal val="visible"/>
+                                      </p:to>
+                                    </p:set>
+                                    <p:animEffect transition="in" filter="box(in)">
+                                      <p:cBhvr>
+                                        <p:cTn id="31" dur="2000"/>
+                                        <p:tgtEl>
+                                          <p:spTgt spid="13"/>
+                                        </p:tgtEl>
+                                      </p:cBhvr>
+                                    </p:animEffect>
+                                  </p:childTnLst>
+                                </p:cTn>
+                              </p:par>
+                            </p:childTnLst>
+                          </p:cTn>
+                        </p:par>
+                      </p:childTnLst>
+                    </p:cTn>
+                  </p:par>
+                  <p:par>
+                    <p:cTn id="32" fill="hold">
+                      <p:stCondLst>
+                        <p:cond delay="indefinite"/>
+                      </p:stCondLst>
+                      <p:childTnLst>
+                        <p:par>
+                          <p:cTn id="33" fill="hold">
+                            <p:stCondLst>
+                              <p:cond delay="0"/>
+                            </p:stCondLst>
+                            <p:childTnLst>
+                              <p:par>
+                                <p:cTn id="34" presetID="22" presetClass="entr" presetSubtype="4" fill="hold" nodeType="clickEffect">
+                                  <p:stCondLst>
+                                    <p:cond delay="0"/>
+                                  </p:stCondLst>
+                                  <p:childTnLst>
+                                    <p:set>
+                                      <p:cBhvr>
+                                        <p:cTn id="35" dur="1" fill="hold">
+                                          <p:stCondLst>
+                                            <p:cond delay="0"/>
+                                          </p:stCondLst>
+                                        </p:cTn>
+                                        <p:tgtEl>
+                                          <p:spTgt spid="14"/>
+                                        </p:tgtEl>
+                                        <p:attrNameLst>
+                                          <p:attrName>style.visibility</p:attrName>
+                                        </p:attrNameLst>
+                                      </p:cBhvr>
+                                      <p:to>
+                                        <p:strVal val="visible"/>
+                                      </p:to>
+                                    </p:set>
+                                    <p:animEffect transition="in" filter="wipe(down)">
+                                      <p:cBhvr>
+                                        <p:cTn id="36" dur="500"/>
+                                        <p:tgtEl>
+                                          <p:spTgt spid="14"/>
+                                        </p:tgtEl>
+                                      </p:cBhvr>
+                                    </p:animEffect>
+                                  </p:childTnLst>
+                                </p:cTn>
+                              </p:par>
+                            </p:childTnLst>
+                          </p:cTn>
+                        </p:par>
+                      </p:childTnLst>
+                    </p:cTn>
+                  </p:par>
+                  <p:par>
+                    <p:cTn id="37" fill="hold">
+                      <p:stCondLst>
+                        <p:cond delay="indefinite"/>
+                      </p:stCondLst>
+                      <p:childTnLst>
+                        <p:par>
+                          <p:cTn id="38" fill="hold">
+                            <p:stCondLst>
+                              <p:cond delay="0"/>
+                            </p:stCondLst>
+                            <p:childTnLst>
+                              <p:par>
+                                <p:cTn id="39" presetID="1" presetClass="entr" presetSubtype="0" fill="hold" nodeType="clickEffect">
+                                  <p:stCondLst>
+                                    <p:cond delay="0"/>
+                                  </p:stCondLst>
+                                  <p:childTnLst>
+                                    <p:set>
+                                      <p:cBhvr>
+                                        <p:cTn id="40" dur="1" fill="hold">
+                                          <p:stCondLst>
+                                            <p:cond delay="0"/>
+                                          </p:stCondLst>
+                                        </p:cTn>
+                                        <p:tgtEl>
+                                          <p:spTgt spid="15"/>
+                                        </p:tgtEl>
+                                        <p:attrNameLst>
+                                          <p:attrName>style.visibility</p:attrName>
+                                        </p:attrNameLst>
+                                      </p:cBhvr>
+                                      <p:to>
+                                        <p:strVal val="visible"/>
+                                      </p:to>
+                                    </p:set>
+                                  </p:childTnLst>
+                                </p:cTn>
+                              </p:par>
+                            </p:childTnLst>
+                          </p:cTn>
+                        </p:par>
+                      </p:childTnLst>
+                    </p:cTn>
+                  </p:par>
+                  <p:par>
+                    <p:cTn id="41" fill="hold">
+                      <p:stCondLst>
+                        <p:cond delay="indefinite"/>
+                      </p:stCondLst>
+                      <p:childTnLst>
+                        <p:par>
+                          <p:cTn id="42" fill="hold">
+                            <p:stCondLst>
+                              <p:cond delay="0"/>
+                            </p:stCondLst>
+                            <p:childTnLst>
+                              <p:par>
+                                <p:cTn id="43" presetID="22" presetClass="entr" presetSubtype="4" fill="hold" nodeType="clickEffect">
+                                  <p:stCondLst>
+                                    <p:cond delay="0"/>
+                                  </p:stCondLst>
+                                  <p:childTnLst>
+                                    <p:set>
+                                      <p:cBhvr>
+                                        <p:cTn id="44" dur="1" fill="hold">
+                                          <p:stCondLst>
+                                            <p:cond delay="0"/>
+                                          </p:stCondLst>
+                                        </p:cTn>
+                                        <p:tgtEl>
+                                          <p:spTgt spid="16"/>
+                                        </p:tgtEl>
+                                        <p:attrNameLst>
+                                          <p:attrName>style.visibility</p:attrName>
+                                        </p:attrNameLst>
+                                      </p:cBhvr>
+                                      <p:to>
+                                        <p:strVal val="visible"/>
+                                      </p:to>
+                                    </p:set>
+                                    <p:animEffect transition="in" filter="wipe(down)">
+                                      <p:cBhvr>
+                                        <p:cTn id="45" dur="500"/>
+                                        <p:tgtEl>
+                                          <p:spTgt spid="16"/>
+                                        </p:tgtEl>
+                                      </p:cBhvr>
+                                    </p:animEffect>
+                                  </p:childTnLst>
+                                </p:cTn>
+                              </p:par>
+                            </p:childTnLst>
+                          </p:cTn>
+                        </p:par>
+                      </p:childTnLst>
+                    </p:cTn>
+                  </p:par>
+                </p:childTnLst>
+              </p:cTn>
+              <p:prevCondLst>
+                <p:cond evt="onPrev" delay="0">
+                  <p:tgtEl>
+                    <p:sldTgt/>
+                  </p:tgtEl>
+                </p:cond>
+              </p:prevCondLst>
+              <p:nextCondLst>
+                <p:cond evt="onNext" delay="0">
+                  <p:tgtEl>
+                    <p:sldTgt/>
+                  </p:tgtEl>
+                </p:cond>
+              </p:nextCondLst>
+            </p:seq>
+          </p:childTnLst>
+        </p:cTn>
+      </p:par>
+    </p:tnLst>
+  </p:timing>
+</p:sld>
+</file>
+
+<file path=ppt/slides/slide13.xml><?xml version="1.0" encoding="utf-8"?>
+<p:sld xmlns:a="http://schemas.openxmlformats.org/drawingml/2006/main" xmlns:r="http://schemas.openxmlformats.org/officeDocument/2006/relationships" xmlns:p="http://schemas.openxmlformats.org/presentationml/2006/main">
+  <p:cSld>
+    <p:spTree>
+      <p:nvGrpSpPr>
         <p:cNvPr id="46" name=""/>
         <p:cNvGrpSpPr/>
         <p:nvPr/>
@@ -7161,86 +7887,155 @@
             <p:ph idx="1"/>
           </p:nvPr>
         </p:nvSpPr>
-        <p:spPr/>
-        <p:txBody>
-          <a:bodyPr/>
+        <p:spPr>
+          <a:xfrm>
+            <a:off x="375285" y="1509395"/>
+            <a:ext cx="10978515" cy="5003800"/>
+          </a:xfrm>
+        </p:spPr>
+        <p:txBody>
+          <a:bodyPr>
+            <a:normAutofit/>
+          </a:bodyPr>
           <a:p>
             <a:pPr marL="0" indent="0">
               <a:buNone/>
             </a:pPr>
             <a:r>
-              <a:rPr lang="en-US" altLang="zh-CN" dirty="0"/>
+              <a:rPr lang="en-US" altLang="zh-CN" sz="2400" dirty="0"/>
               <a:t>1</a:t>
             </a:r>
             <a:r>
-              <a:rPr lang="zh-CN" altLang="en-US" dirty="0"/>
-              <a:t>、完成大部分类的定义</a:t>
-            </a:r>
-            <a:endParaRPr lang="zh-CN" altLang="en-US" dirty="0"/>
+              <a:rPr lang="zh-CN" altLang="en-US" sz="2400" dirty="0"/>
+              <a:t>、完成大部分基本界面的开发</a:t>
+            </a:r>
+            <a:endParaRPr lang="zh-CN" altLang="en-US" sz="2400" dirty="0"/>
           </a:p>
           <a:p>
             <a:pPr marL="0" indent="0">
               <a:buNone/>
             </a:pPr>
             <a:r>
-              <a:rPr lang="en-US" altLang="zh-CN" dirty="0"/>
+              <a:rPr lang="en-US" altLang="zh-CN" sz="2400" dirty="0"/>
               <a:t>2</a:t>
             </a:r>
             <a:r>
-              <a:rPr lang="zh-CN" altLang="en-US" dirty="0"/>
-              <a:t>、完成基本管理员界面开发</a:t>
-            </a:r>
-            <a:endParaRPr lang="zh-CN" altLang="en-US" dirty="0"/>
+              <a:rPr lang="zh-CN" altLang="en-US" sz="2400" dirty="0"/>
+              <a:t>、人员管理的模块大部分完成</a:t>
+            </a:r>
+            <a:endParaRPr lang="zh-CN" altLang="en-US" sz="2400" dirty="0"/>
           </a:p>
           <a:p>
             <a:pPr marL="0" indent="0">
               <a:buNone/>
             </a:pPr>
             <a:r>
-              <a:rPr lang="en-US" altLang="zh-CN" dirty="0"/>
+              <a:rPr lang="zh-CN" altLang="en-US" sz="2400" dirty="0"/>
+              <a:t>   （如：添加学员基本信息）</a:t>
+            </a:r>
+            <a:endParaRPr lang="zh-CN" altLang="en-US" sz="2400" dirty="0"/>
+          </a:p>
+          <a:p>
+            <a:pPr marL="0" indent="0">
+              <a:buNone/>
+            </a:pPr>
+            <a:r>
+              <a:rPr lang="en-US" altLang="zh-CN" sz="2400" dirty="0"/>
               <a:t>3</a:t>
             </a:r>
             <a:r>
-              <a:rPr lang="zh-CN" altLang="en-US" dirty="0"/>
-              <a:t>、人员管理的模块大部分完成</a:t>
-            </a:r>
-            <a:endParaRPr lang="zh-CN" altLang="en-US" dirty="0"/>
+              <a:rPr lang="zh-CN" altLang="en-US" sz="2400" dirty="0"/>
+              <a:t>、物资管理系统模块大部分完成</a:t>
+            </a:r>
+            <a:endParaRPr lang="zh-CN" altLang="en-US" sz="2400" dirty="0"/>
           </a:p>
           <a:p>
             <a:pPr marL="0" indent="0">
               <a:buNone/>
             </a:pPr>
             <a:r>
-              <a:rPr lang="zh-CN" altLang="en-US" dirty="0"/>
-              <a:t>   （如：添加学员基本信息）</a:t>
-            </a:r>
-            <a:endParaRPr lang="zh-CN" altLang="en-US" dirty="0"/>
+              <a:rPr lang="en-US" altLang="zh-CN" sz="2400" dirty="0"/>
+              <a:t>4</a:t>
+            </a:r>
+            <a:r>
+              <a:rPr lang="zh-CN" altLang="en-US" sz="2400" dirty="0"/>
+              <a:t>、</a:t>
+            </a:r>
+            <a:r>
+              <a:rPr lang="zh-CN" altLang="en-US" sz="2400" dirty="0">
+                <a:sym typeface="+mn-ea"/>
+              </a:rPr>
+              <a:t>请销假系统模块已大部分完成</a:t>
+            </a:r>
+            <a:endParaRPr lang="zh-CN" altLang="en-US" sz="2400" dirty="0"/>
           </a:p>
           <a:p>
             <a:pPr marL="0" indent="0">
               <a:buNone/>
             </a:pPr>
             <a:r>
-              <a:rPr lang="en-US" altLang="zh-CN" dirty="0"/>
-              <a:t>4</a:t>
-            </a:r>
-            <a:r>
-              <a:rPr lang="zh-CN" altLang="en-US" dirty="0"/>
-              <a:t>、物资管理系统模块大部分完成</a:t>
-            </a:r>
-            <a:endParaRPr lang="zh-CN" altLang="en-US" dirty="0"/>
+              <a:rPr lang="en-US" altLang="zh-CN" sz="2400" dirty="0"/>
+              <a:t>5</a:t>
+            </a:r>
+            <a:r>
+              <a:rPr lang="zh-CN" altLang="en-US" sz="2400" dirty="0"/>
+              <a:t>、</a:t>
+            </a:r>
+            <a:r>
+              <a:rPr lang="zh-CN" altLang="en-US" sz="2400" dirty="0">
+                <a:sym typeface="+mn-ea"/>
+              </a:rPr>
+              <a:t>已完成对数据库的连接（</a:t>
+            </a:r>
+            <a:r>
+              <a:rPr lang="en-US" altLang="zh-CN" sz="2400" dirty="0">
+                <a:sym typeface="+mn-ea"/>
+              </a:rPr>
+              <a:t>P</a:t>
+            </a:r>
+            <a:r>
+              <a:rPr lang="en-US" altLang="zh-CN" sz="2400" dirty="0">
+                <a:sym typeface="+mn-ea"/>
+              </a:rPr>
+              <a:t>ostgreSQL</a:t>
+            </a:r>
+            <a:r>
+              <a:rPr lang="zh-CN" altLang="en-US" sz="2400" dirty="0">
+                <a:sym typeface="+mn-ea"/>
+              </a:rPr>
+              <a:t>）</a:t>
+            </a:r>
+            <a:endParaRPr lang="zh-CN" altLang="en-US" sz="2400" dirty="0">
+              <a:sym typeface="+mn-ea"/>
+            </a:endParaRPr>
           </a:p>
           <a:p>
             <a:pPr marL="0" indent="0">
               <a:buNone/>
             </a:pPr>
-            <a:endParaRPr lang="zh-CN" altLang="en-US" dirty="0"/>
+            <a:r>
+              <a:rPr lang="en-US" altLang="zh-CN" sz="2400" dirty="0">
+                <a:sym typeface="+mn-ea"/>
+              </a:rPr>
+              <a:t>6</a:t>
+            </a:r>
+            <a:r>
+              <a:rPr lang="zh-CN" altLang="en-US" sz="2400" dirty="0">
+                <a:sym typeface="+mn-ea"/>
+              </a:rPr>
+              <a:t>、完成三种使用权限的开发</a:t>
+            </a:r>
+            <a:endParaRPr lang="zh-CN" altLang="en-US" sz="2400" dirty="0">
+              <a:sym typeface="+mn-ea"/>
+            </a:endParaRPr>
           </a:p>
           <a:p>
             <a:pPr marL="0" indent="0">
               <a:buNone/>
             </a:pPr>
-            <a:endParaRPr lang="zh-CN" altLang="en-US" dirty="0"/>
+            <a:endParaRPr lang="zh-CN" altLang="en-US" sz="1800" dirty="0">
+              <a:sym typeface="+mn-ea"/>
+            </a:endParaRPr>
           </a:p>
           <a:p>
             <a:pPr marL="0" indent="0">
@@ -7258,7 +8053,11 @@
             </a:pPr>
             <a:r>
               <a:rPr lang="zh-CN" altLang="en-US" sz="1800" dirty="0"/>
-              <a:t>项目网址</a:t>
+              <a:t>项目</a:t>
+            </a:r>
+            <a:r>
+              <a:rPr lang="zh-CN" altLang="en-US" sz="1800" dirty="0"/>
+              <a:t>网址</a:t>
             </a:r>
             <a:endParaRPr lang="zh-CN" altLang="en-US" sz="1800" dirty="0"/>
           </a:p>
@@ -7280,7 +8079,7 @@
         </p:blipFill>
         <p:spPr>
           <a:xfrm>
-            <a:off x="6208395" y="598170"/>
+            <a:off x="6609080" y="556260"/>
             <a:ext cx="5478145" cy="2830195"/>
           </a:xfrm>
           <a:prstGeom prst="rect">
@@ -7304,7 +8103,7 @@
         </p:blipFill>
         <p:spPr>
           <a:xfrm>
-            <a:off x="6208395" y="3624580"/>
+            <a:off x="6609080" y="3571240"/>
             <a:ext cx="5478145" cy="2739390"/>
           </a:xfrm>
           <a:prstGeom prst="rect">
@@ -7597,108 +8396,6 @@
 </file>
 
 <file path=ppt/slides/slide5.xml><?xml version="1.0" encoding="utf-8"?>
-<p:sld xmlns:a="http://schemas.openxmlformats.org/drawingml/2006/main" xmlns:r="http://schemas.openxmlformats.org/officeDocument/2006/relationships" xmlns:p="http://schemas.openxmlformats.org/presentationml/2006/main">
-  <p:cSld>
-    <p:spTree>
-      <p:nvGrpSpPr>
-        <p:cNvPr id="28" name=""/>
-        <p:cNvGrpSpPr/>
-        <p:nvPr/>
-      </p:nvGrpSpPr>
-      <p:grpSpPr>
-        <a:xfrm>
-          <a:off x="0" y="0"/>
-          <a:ext cx="0" cy="0"/>
-          <a:chOff x="0" y="0"/>
-          <a:chExt cx="0" cy="0"/>
-        </a:xfrm>
-      </p:grpSpPr>
-      <p:sp>
-        <p:nvSpPr>
-          <p:cNvPr id="1048596" name="标题 1"/>
-          <p:cNvSpPr>
-            <a:spLocks noGrp="1"/>
-          </p:cNvSpPr>
-          <p:nvPr>
-            <p:ph type="title"/>
-          </p:nvPr>
-        </p:nvSpPr>
-        <p:spPr/>
-        <p:txBody>
-          <a:bodyPr/>
-          <a:p>
-            <a:r>
-              <a:rPr lang="zh-CN" altLang="en-US" dirty="0"/>
-              <a:t>二、需求模型</a:t>
-            </a:r>
-            <a:endParaRPr lang="zh-CN" altLang="en-US" dirty="0"/>
-          </a:p>
-        </p:txBody>
-      </p:sp>
-      <p:sp>
-        <p:nvSpPr>
-          <p:cNvPr id="1048597" name="文本框 5"/>
-          <p:cNvSpPr txBox="1"/>
-          <p:nvPr/>
-        </p:nvSpPr>
-        <p:spPr>
-          <a:xfrm>
-            <a:off x="653217" y="3210105"/>
-            <a:ext cx="4127377" cy="1691640"/>
-          </a:xfrm>
-          <a:prstGeom prst="rect">
-            <a:avLst/>
-          </a:prstGeom>
-          <a:noFill/>
-        </p:spPr>
-        <p:txBody>
-          <a:bodyPr wrap="square" rtlCol="0">
-            <a:spAutoFit/>
-          </a:bodyPr>
-          <a:p>
-            <a:r>
-              <a:rPr lang="zh-CN" altLang="en-US" sz="5400" dirty="0"/>
-              <a:t>学员队物资申领系统</a:t>
-            </a:r>
-            <a:endParaRPr lang="zh-CN" altLang="en-US" sz="5400" dirty="0"/>
-          </a:p>
-        </p:txBody>
-      </p:sp>
-      <p:pic>
-        <p:nvPicPr>
-          <p:cNvPr id="2" name="内容占位符 1" descr="顺序图 学员队物资申请"/>
-          <p:cNvPicPr>
-            <a:picLocks noChangeAspect="1"/>
-          </p:cNvPicPr>
-          <p:nvPr>
-            <p:ph idx="1"/>
-          </p:nvPr>
-        </p:nvPicPr>
-        <p:blipFill>
-          <a:blip r:embed="rId1"/>
-          <a:stretch>
-            <a:fillRect/>
-          </a:stretch>
-        </p:blipFill>
-        <p:spPr>
-          <a:xfrm>
-            <a:off x="4559935" y="337820"/>
-            <a:ext cx="7216140" cy="6182360"/>
-          </a:xfrm>
-          <a:prstGeom prst="rect">
-            <a:avLst/>
-          </a:prstGeom>
-        </p:spPr>
-      </p:pic>
-    </p:spTree>
-  </p:cSld>
-  <p:clrMapOvr>
-    <a:masterClrMapping/>
-  </p:clrMapOvr>
-</p:sld>
-</file>
-
-<file path=ppt/slides/slide6.xml><?xml version="1.0" encoding="utf-8"?>
 <p:sld xmlns:a="http://schemas.openxmlformats.org/drawingml/2006/main" xmlns:r="http://schemas.openxmlformats.org/officeDocument/2006/relationships" xmlns:p="http://schemas.openxmlformats.org/presentationml/2006/main">
   <p:cSld>
     <p:spTree>
@@ -8024,7 +8721,7 @@
 </p:sld>
 </file>
 
-<file path=ppt/slides/slide7.xml><?xml version="1.0" encoding="utf-8"?>
+<file path=ppt/slides/slide6.xml><?xml version="1.0" encoding="utf-8"?>
 <p:sld xmlns:a="http://schemas.openxmlformats.org/drawingml/2006/main" xmlns:r="http://schemas.openxmlformats.org/officeDocument/2006/relationships" xmlns:p="http://schemas.openxmlformats.org/presentationml/2006/main">
   <p:cSld>
     <p:spTree>
@@ -8327,7 +9024,199 @@
 </p:sld>
 </file>
 
+<file path=ppt/slides/slide7.xml><?xml version="1.0" encoding="utf-8"?>
+<p:sld xmlns:a="http://schemas.openxmlformats.org/drawingml/2006/main" xmlns:r="http://schemas.openxmlformats.org/officeDocument/2006/relationships" xmlns:p="http://schemas.openxmlformats.org/presentationml/2006/main">
+  <p:cSld>
+    <p:spTree>
+      <p:nvGrpSpPr>
+        <p:cNvPr id="1" name=""/>
+        <p:cNvGrpSpPr/>
+        <p:nvPr/>
+      </p:nvGrpSpPr>
+      <p:grpSpPr/>
+      <p:sp>
+        <p:nvSpPr>
+          <p:cNvPr id="2" name="标题 1"/>
+          <p:cNvSpPr>
+            <a:spLocks noGrp="1"/>
+          </p:cNvSpPr>
+          <p:nvPr>
+            <p:ph type="title"/>
+          </p:nvPr>
+        </p:nvSpPr>
+        <p:spPr/>
+        <p:txBody>
+          <a:bodyPr/>
+          <a:p>
+            <a:r>
+              <a:rPr lang="zh-CN" altLang="en-US">
+                <a:sym typeface="+mn-ea"/>
+              </a:rPr>
+              <a:t>二、需求模型</a:t>
+            </a:r>
+            <a:r>
+              <a:rPr lang="en-US" altLang="zh-CN">
+                <a:sym typeface="+mn-ea"/>
+              </a:rPr>
+              <a:t>——</a:t>
+            </a:r>
+            <a:r>
+              <a:rPr lang="zh-CN" altLang="en-US">
+                <a:sym typeface="+mn-ea"/>
+              </a:rPr>
+              <a:t>类图</a:t>
+            </a:r>
+            <a:endParaRPr lang="zh-CN" altLang="en-US"/>
+          </a:p>
+        </p:txBody>
+      </p:sp>
+      <p:sp>
+        <p:nvSpPr>
+          <p:cNvPr id="3" name="内容占位符 2"/>
+          <p:cNvSpPr>
+            <a:spLocks noGrp="1"/>
+          </p:cNvSpPr>
+          <p:nvPr>
+            <p:ph idx="1"/>
+          </p:nvPr>
+        </p:nvSpPr>
+        <p:spPr/>
+        <p:txBody>
+          <a:bodyPr/>
+          <a:p>
+            <a:endParaRPr lang="zh-CN" altLang="en-US"/>
+          </a:p>
+        </p:txBody>
+      </p:sp>
+      <p:pic>
+        <p:nvPicPr>
+          <p:cNvPr id="4" name="图片 3" descr="类图"/>
+          <p:cNvPicPr>
+            <a:picLocks noChangeAspect="1"/>
+          </p:cNvPicPr>
+          <p:nvPr/>
+        </p:nvPicPr>
+        <p:blipFill>
+          <a:blip r:embed="rId1"/>
+          <a:stretch>
+            <a:fillRect/>
+          </a:stretch>
+        </p:blipFill>
+        <p:spPr>
+          <a:xfrm>
+            <a:off x="2859405" y="1589405"/>
+            <a:ext cx="5811520" cy="4824095"/>
+          </a:xfrm>
+          <a:prstGeom prst="rect">
+            <a:avLst/>
+          </a:prstGeom>
+        </p:spPr>
+      </p:pic>
+    </p:spTree>
+  </p:cSld>
+  <p:clrMapOvr>
+    <a:masterClrMapping/>
+  </p:clrMapOvr>
+</p:sld>
+</file>
+
 <file path=ppt/slides/slide8.xml><?xml version="1.0" encoding="utf-8"?>
+<p:sld xmlns:a="http://schemas.openxmlformats.org/drawingml/2006/main" xmlns:r="http://schemas.openxmlformats.org/officeDocument/2006/relationships" xmlns:p="http://schemas.openxmlformats.org/presentationml/2006/main">
+  <p:cSld>
+    <p:spTree>
+      <p:nvGrpSpPr>
+        <p:cNvPr id="1" name=""/>
+        <p:cNvGrpSpPr/>
+        <p:nvPr/>
+      </p:nvGrpSpPr>
+      <p:grpSpPr/>
+      <p:sp>
+        <p:nvSpPr>
+          <p:cNvPr id="2" name="标题 1"/>
+          <p:cNvSpPr>
+            <a:spLocks noGrp="1"/>
+          </p:cNvSpPr>
+          <p:nvPr>
+            <p:ph type="title"/>
+          </p:nvPr>
+        </p:nvSpPr>
+        <p:spPr/>
+        <p:txBody>
+          <a:bodyPr/>
+          <a:p>
+            <a:r>
+              <a:rPr lang="zh-CN" altLang="en-US">
+                <a:sym typeface="+mn-ea"/>
+              </a:rPr>
+              <a:t>二、需求模型</a:t>
+            </a:r>
+            <a:r>
+              <a:rPr lang="en-US" altLang="zh-CN">
+                <a:sym typeface="+mn-ea"/>
+              </a:rPr>
+              <a:t>——</a:t>
+            </a:r>
+            <a:r>
+              <a:rPr lang="zh-CN" altLang="en-US">
+                <a:sym typeface="+mn-ea"/>
+              </a:rPr>
+              <a:t>部署图</a:t>
+            </a:r>
+            <a:endParaRPr lang="zh-CN" altLang="en-US"/>
+          </a:p>
+        </p:txBody>
+      </p:sp>
+      <p:sp>
+        <p:nvSpPr>
+          <p:cNvPr id="3" name="内容占位符 2"/>
+          <p:cNvSpPr>
+            <a:spLocks noGrp="1"/>
+          </p:cNvSpPr>
+          <p:nvPr>
+            <p:ph idx="1"/>
+          </p:nvPr>
+        </p:nvSpPr>
+        <p:spPr/>
+        <p:txBody>
+          <a:bodyPr/>
+          <a:p>
+            <a:endParaRPr lang="zh-CN" altLang="en-US"/>
+          </a:p>
+        </p:txBody>
+      </p:sp>
+      <p:pic>
+        <p:nvPicPr>
+          <p:cNvPr id="4" name="图片 3" descr="部署图"/>
+          <p:cNvPicPr>
+            <a:picLocks noChangeAspect="1"/>
+          </p:cNvPicPr>
+          <p:nvPr/>
+        </p:nvPicPr>
+        <p:blipFill>
+          <a:blip r:embed="rId1"/>
+          <a:stretch>
+            <a:fillRect/>
+          </a:stretch>
+        </p:blipFill>
+        <p:spPr>
+          <a:xfrm>
+            <a:off x="2657475" y="1382395"/>
+            <a:ext cx="6877050" cy="5238750"/>
+          </a:xfrm>
+          <a:prstGeom prst="rect">
+            <a:avLst/>
+          </a:prstGeom>
+        </p:spPr>
+      </p:pic>
+    </p:spTree>
+  </p:cSld>
+  <p:clrMapOvr>
+    <a:masterClrMapping/>
+  </p:clrMapOvr>
+</p:sld>
+</file>
+
+<file path=ppt/slides/slide9.xml><?xml version="1.0" encoding="utf-8"?>
 <p:sld xmlns:a="http://schemas.openxmlformats.org/drawingml/2006/main" xmlns:r="http://schemas.openxmlformats.org/officeDocument/2006/relationships" xmlns:p="http://schemas.openxmlformats.org/presentationml/2006/main">
   <p:cSld>
     <p:spTree>
@@ -8376,7 +9265,7 @@
       </p:sp>
       <p:pic>
         <p:nvPicPr>
-          <p:cNvPr id="2" name="内容占位符 1" descr="QQ截图20191012143051"/>
+          <p:cNvPr id="7" name="内容占位符 6" descr="初始界面"/>
           <p:cNvPicPr>
             <a:picLocks noChangeAspect="1"/>
           </p:cNvPicPr>
@@ -8392,8 +9281,8 @@
         </p:blipFill>
         <p:spPr>
           <a:xfrm>
-            <a:off x="838200" y="1691005"/>
-            <a:ext cx="4316730" cy="4351655"/>
+            <a:off x="838200" y="1480820"/>
+            <a:ext cx="4899660" cy="4919345"/>
           </a:xfrm>
           <a:prstGeom prst="rect">
             <a:avLst/>
@@ -8402,7 +9291,7 @@
       </p:pic>
       <p:pic>
         <p:nvPicPr>
-          <p:cNvPr id="3" name="图片 2" descr="QQ截图20191012143349"/>
+          <p:cNvPr id="34" name="图片 33" descr="登入界面"/>
           <p:cNvPicPr>
             <a:picLocks noChangeAspect="1"/>
           </p:cNvPicPr>
@@ -8416,8 +9305,8 @@
         </p:blipFill>
         <p:spPr>
           <a:xfrm>
-            <a:off x="2443480" y="1680210"/>
-            <a:ext cx="4716145" cy="4058920"/>
+            <a:off x="1854200" y="1480820"/>
+            <a:ext cx="5536565" cy="4919345"/>
           </a:xfrm>
           <a:prstGeom prst="rect">
             <a:avLst/>
@@ -8426,7 +9315,7 @@
       </p:pic>
       <p:pic>
         <p:nvPicPr>
-          <p:cNvPr id="4" name="图片 3" descr="QQ截图20191012143359"/>
+          <p:cNvPr id="35" name="图片 34" descr="系统管理员"/>
           <p:cNvPicPr>
             <a:picLocks noChangeAspect="1"/>
           </p:cNvPicPr>
@@ -8440,8 +9329,8 @@
         </p:blipFill>
         <p:spPr>
           <a:xfrm>
-            <a:off x="3876675" y="1680210"/>
-            <a:ext cx="4702810" cy="4048125"/>
+            <a:off x="3112770" y="1480820"/>
+            <a:ext cx="5536565" cy="4919345"/>
           </a:xfrm>
           <a:prstGeom prst="rect">
             <a:avLst/>
@@ -8450,7 +9339,7 @@
       </p:pic>
       <p:pic>
         <p:nvPicPr>
-          <p:cNvPr id="5" name="图片 4" descr="QQ截图20191012143419"/>
+          <p:cNvPr id="36" name="图片 35" descr="学员队登入界面"/>
           <p:cNvPicPr>
             <a:picLocks noChangeAspect="1"/>
           </p:cNvPicPr>
@@ -8464,8 +9353,8 @@
         </p:blipFill>
         <p:spPr>
           <a:xfrm>
-            <a:off x="5154930" y="1645285"/>
-            <a:ext cx="5196205" cy="4117975"/>
+            <a:off x="4425315" y="1480820"/>
+            <a:ext cx="5536565" cy="4919345"/>
           </a:xfrm>
           <a:prstGeom prst="rect">
             <a:avLst/>
@@ -8474,7 +9363,7 @@
       </p:pic>
       <p:pic>
         <p:nvPicPr>
-          <p:cNvPr id="6" name="图片 5" descr="QQ截图20191012143501"/>
+          <p:cNvPr id="37" name="图片 36" descr="学员登入系统"/>
           <p:cNvPicPr>
             <a:picLocks noChangeAspect="1"/>
           </p:cNvPicPr>
@@ -8488,8 +9377,8 @@
         </p:blipFill>
         <p:spPr>
           <a:xfrm>
-            <a:off x="2623185" y="1306830"/>
-            <a:ext cx="6751320" cy="5438140"/>
+            <a:off x="5813425" y="1480820"/>
+            <a:ext cx="5536565" cy="4919345"/>
           </a:xfrm>
           <a:prstGeom prst="rect">
             <a:avLst/>
@@ -8501,9 +9390,7 @@
   <p:clrMapOvr>
     <a:masterClrMapping/>
   </p:clrMapOvr>
-  <p:transition>
-    <p:newsflash/>
-  </p:transition>
+  <p:transition/>
   <p:timing>
     <p:tnLst>
       <p:par>
@@ -8525,7 +9412,7 @@
                             </p:stCondLst>
                             <p:childTnLst>
                               <p:par>
-                                <p:cTn id="5" presetID="3" presetClass="entr" presetSubtype="10" fill="hold" nodeType="clickEffect">
+                                <p:cTn id="5" presetID="8" presetClass="entr" presetSubtype="16" fill="hold" nodeType="clickEffect">
                                   <p:stCondLst>
                                     <p:cond delay="0"/>
                                   </p:stCondLst>
@@ -8538,7 +9425,7 @@
                                           </p:stCondLst>
                                         </p:cTn>
                                         <p:tgtEl>
-                                          <p:spTgt spid="2"/>
+                                          <p:spTgt spid="7"/>
                                         </p:tgtEl>
                                         <p:attrNameLst>
                                           <p:attrName>style.visibility</p:attrName>
@@ -8548,11 +9435,11 @@
                                         <p:strVal val="visible"/>
                                       </p:to>
                                     </p:set>
-                                    <p:animEffect transition="in" filter="blinds(horizontal)">
+                                    <p:animEffect transition="in" filter="diamond(in)">
                                       <p:cBhvr>
-                                        <p:cTn id="7" dur="500"/>
+                                        <p:cTn id="7" dur="2000"/>
                                         <p:tgtEl>
-                                          <p:spTgt spid="2"/>
+                                          <p:spTgt spid="7"/>
                                         </p:tgtEl>
                                       </p:cBhvr>
                                     </p:animEffect>
@@ -8578,7 +9465,7 @@
                             </p:stCondLst>
                             <p:childTnLst>
                               <p:par>
-                                <p:cTn id="10" presetID="4" presetClass="entr" presetSubtype="16" fill="hold" nodeType="clickEffect">
+                                <p:cTn id="10" presetID="16" presetClass="entr" presetSubtype="21" fill="hold" nodeType="clickEffect">
                                   <p:stCondLst>
                                     <p:cond delay="0"/>
                                   </p:stCondLst>
@@ -8591,7 +9478,7 @@
                                           </p:stCondLst>
                                         </p:cTn>
                                         <p:tgtEl>
-                                          <p:spTgt spid="3"/>
+                                          <p:spTgt spid="34"/>
                                         </p:tgtEl>
                                         <p:attrNameLst>
                                           <p:attrName>style.visibility</p:attrName>
@@ -8601,11 +9488,11 @@
                                         <p:strVal val="visible"/>
                                       </p:to>
                                     </p:set>
-                                    <p:animEffect transition="in" filter="box(in)">
+                                    <p:animEffect transition="in" filter="barn(inVertical)">
                                       <p:cBhvr>
-                                        <p:cTn id="12" dur="2000"/>
+                                        <p:cTn id="12" dur="500"/>
                                         <p:tgtEl>
-                                          <p:spTgt spid="3"/>
+                                          <p:spTgt spid="34"/>
                                         </p:tgtEl>
                                       </p:cBhvr>
                                     </p:animEffect>
@@ -8631,7 +9518,7 @@
                             </p:stCondLst>
                             <p:childTnLst>
                               <p:par>
-                                <p:cTn id="15" presetID="1" presetClass="entr" presetSubtype="0" fill="hold" nodeType="clickEffect">
+                                <p:cTn id="15" presetID="8" presetClass="entr" presetSubtype="16" fill="hold" nodeType="clickEffect">
                                   <p:stCondLst>
                                     <p:cond delay="0"/>
                                   </p:stCondLst>
@@ -8644,105 +9531,7 @@
                                           </p:stCondLst>
                                         </p:cTn>
                                         <p:tgtEl>
-                                          <p:spTgt spid="4"/>
-                                        </p:tgtEl>
-                                        <p:attrNameLst>
-                                          <p:attrName>style.visibility</p:attrName>
-                                        </p:attrNameLst>
-                                      </p:cBhvr>
-                                      <p:to>
-                                        <p:strVal val="visible"/>
-                                      </p:to>
-                                    </p:set>
-                                  </p:childTnLst>
-                                </p:cTn>
-                              </p:par>
-                            </p:childTnLst>
-                          </p:cTn>
-                        </p:par>
-                      </p:childTnLst>
-                    </p:cTn>
-                  </p:par>
-                  <p:par>
-                    <p:cTn id="17" fill="hold">
-                      <p:stCondLst>
-                        <p:cond delay="indefinite"/>
-                      </p:stCondLst>
-                      <p:childTnLst>
-                        <p:par>
-                          <p:cTn id="18" fill="hold">
-                            <p:stCondLst>
-                              <p:cond delay="0"/>
-                            </p:stCondLst>
-                            <p:childTnLst>
-                              <p:par>
-                                <p:cTn id="19" presetID="22" presetClass="entr" presetSubtype="4" fill="hold" nodeType="clickEffect">
-                                  <p:stCondLst>
-                                    <p:cond delay="0"/>
-                                  </p:stCondLst>
-                                  <p:childTnLst>
-                                    <p:set>
-                                      <p:cBhvr>
-                                        <p:cTn id="20" dur="1" fill="hold">
-                                          <p:stCondLst>
-                                            <p:cond delay="0"/>
-                                          </p:stCondLst>
-                                        </p:cTn>
-                                        <p:tgtEl>
-                                          <p:spTgt spid="5"/>
-                                        </p:tgtEl>
-                                        <p:attrNameLst>
-                                          <p:attrName>style.visibility</p:attrName>
-                                        </p:attrNameLst>
-                                      </p:cBhvr>
-                                      <p:to>
-                                        <p:strVal val="visible"/>
-                                      </p:to>
-                                    </p:set>
-                                    <p:animEffect transition="in" filter="wipe(down)">
-                                      <p:cBhvr>
-                                        <p:cTn id="21" dur="500"/>
-                                        <p:tgtEl>
-                                          <p:spTgt spid="5"/>
-                                        </p:tgtEl>
-                                      </p:cBhvr>
-                                    </p:animEffect>
-                                  </p:childTnLst>
-                                </p:cTn>
-                              </p:par>
-                            </p:childTnLst>
-                          </p:cTn>
-                        </p:par>
-                      </p:childTnLst>
-                    </p:cTn>
-                  </p:par>
-                  <p:par>
-                    <p:cTn id="22" fill="hold">
-                      <p:stCondLst>
-                        <p:cond delay="indefinite"/>
-                      </p:stCondLst>
-                      <p:childTnLst>
-                        <p:par>
-                          <p:cTn id="23" fill="hold">
-                            <p:stCondLst>
-                              <p:cond delay="0"/>
-                            </p:stCondLst>
-                            <p:childTnLst>
-                              <p:par>
-                                <p:cTn id="24" presetID="8" presetClass="entr" presetSubtype="16" fill="hold" nodeType="clickEffect">
-                                  <p:stCondLst>
-                                    <p:cond delay="0"/>
-                                  </p:stCondLst>
-                                  <p:childTnLst>
-                                    <p:set>
-                                      <p:cBhvr>
-                                        <p:cTn id="25" dur="1" fill="hold">
-                                          <p:stCondLst>
-                                            <p:cond delay="0"/>
-                                          </p:stCondLst>
-                                        </p:cTn>
-                                        <p:tgtEl>
-                                          <p:spTgt spid="6"/>
+                                          <p:spTgt spid="35"/>
                                         </p:tgtEl>
                                         <p:attrNameLst>
                                           <p:attrName>style.visibility</p:attrName>
@@ -8754,351 +9543,9 @@
                                     </p:set>
                                     <p:animEffect transition="in" filter="diamond(in)">
                                       <p:cBhvr>
-                                        <p:cTn id="26" dur="2000"/>
-                                        <p:tgtEl>
-                                          <p:spTgt spid="6"/>
-                                        </p:tgtEl>
-                                      </p:cBhvr>
-                                    </p:animEffect>
-                                  </p:childTnLst>
-                                </p:cTn>
-                              </p:par>
-                            </p:childTnLst>
-                          </p:cTn>
-                        </p:par>
-                      </p:childTnLst>
-                    </p:cTn>
-                  </p:par>
-                </p:childTnLst>
-              </p:cTn>
-              <p:prevCondLst>
-                <p:cond evt="onPrev" delay="0">
-                  <p:tgtEl>
-                    <p:sldTgt/>
-                  </p:tgtEl>
-                </p:cond>
-              </p:prevCondLst>
-              <p:nextCondLst>
-                <p:cond evt="onNext" delay="0">
-                  <p:tgtEl>
-                    <p:sldTgt/>
-                  </p:tgtEl>
-                </p:cond>
-              </p:nextCondLst>
-            </p:seq>
-          </p:childTnLst>
-        </p:cTn>
-      </p:par>
-    </p:tnLst>
-  </p:timing>
-</p:sld>
-</file>
-
-<file path=ppt/slides/slide9.xml><?xml version="1.0" encoding="utf-8"?>
-<p:sld xmlns:a="http://schemas.openxmlformats.org/drawingml/2006/main" xmlns:r="http://schemas.openxmlformats.org/officeDocument/2006/relationships" xmlns:p="http://schemas.openxmlformats.org/presentationml/2006/main">
-  <p:cSld>
-    <p:spTree>
-      <p:nvGrpSpPr>
-        <p:cNvPr id="43" name=""/>
-        <p:cNvGrpSpPr/>
-        <p:nvPr/>
-      </p:nvGrpSpPr>
-      <p:grpSpPr>
-        <a:xfrm>
-          <a:off x="0" y="0"/>
-          <a:ext cx="0" cy="0"/>
-          <a:chOff x="0" y="0"/>
-          <a:chExt cx="0" cy="0"/>
-        </a:xfrm>
-      </p:grpSpPr>
-      <p:sp>
-        <p:nvSpPr>
-          <p:cNvPr id="1048609" name="标题 1"/>
-          <p:cNvSpPr>
-            <a:spLocks noGrp="1"/>
-          </p:cNvSpPr>
-          <p:nvPr>
-            <p:ph type="title"/>
-          </p:nvPr>
-        </p:nvSpPr>
-        <p:spPr/>
-        <p:txBody>
-          <a:bodyPr/>
-          <a:p>
-            <a:r>
-              <a:rPr lang="zh-CN" altLang="en-US" dirty="0"/>
-              <a:t>三、系统界面</a:t>
-            </a:r>
-            <a:r>
-              <a:rPr lang="en-US" altLang="zh-CN" dirty="0"/>
-              <a:t>——</a:t>
-            </a:r>
-            <a:r>
-              <a:rPr lang="zh-CN" altLang="en-US" dirty="0"/>
-              <a:t>人员管理</a:t>
-            </a:r>
-            <a:endParaRPr lang="zh-CN" altLang="en-US" dirty="0"/>
-          </a:p>
-        </p:txBody>
-      </p:sp>
-      <p:pic>
-        <p:nvPicPr>
-          <p:cNvPr id="4" name="内容占位符 3" descr="QQ截图20191012143531"/>
-          <p:cNvPicPr>
-            <a:picLocks noChangeAspect="1"/>
-          </p:cNvPicPr>
-          <p:nvPr>
-            <p:ph idx="1"/>
-          </p:nvPr>
-        </p:nvPicPr>
-        <p:blipFill>
-          <a:blip r:embed="rId1"/>
-          <a:stretch>
-            <a:fillRect/>
-          </a:stretch>
-        </p:blipFill>
-        <p:spPr>
-          <a:xfrm>
-            <a:off x="611505" y="1756410"/>
-            <a:ext cx="5401945" cy="4351655"/>
-          </a:xfrm>
-          <a:prstGeom prst="rect">
-            <a:avLst/>
-          </a:prstGeom>
-        </p:spPr>
-      </p:pic>
-      <p:pic>
-        <p:nvPicPr>
-          <p:cNvPr id="5" name="图片 4" descr="QQ截图20191012143610"/>
-          <p:cNvPicPr>
-            <a:picLocks noChangeAspect="1"/>
-          </p:cNvPicPr>
-          <p:nvPr/>
-        </p:nvPicPr>
-        <p:blipFill>
-          <a:blip r:embed="rId2"/>
-          <a:stretch>
-            <a:fillRect/>
-          </a:stretch>
-        </p:blipFill>
-        <p:spPr>
-          <a:xfrm>
-            <a:off x="2932430" y="1506855"/>
-            <a:ext cx="4371975" cy="5010150"/>
-          </a:xfrm>
-          <a:prstGeom prst="rect">
-            <a:avLst/>
-          </a:prstGeom>
-        </p:spPr>
-      </p:pic>
-      <p:pic>
-        <p:nvPicPr>
-          <p:cNvPr id="6" name="图片 5" descr="QQ截图20191012143621"/>
-          <p:cNvPicPr>
-            <a:picLocks noChangeAspect="1"/>
-          </p:cNvPicPr>
-          <p:nvPr/>
-        </p:nvPicPr>
-        <p:blipFill>
-          <a:blip r:embed="rId3"/>
-          <a:stretch>
-            <a:fillRect/>
-          </a:stretch>
-        </p:blipFill>
-        <p:spPr>
-          <a:xfrm>
-            <a:off x="4688840" y="1506855"/>
-            <a:ext cx="4371975" cy="5010150"/>
-          </a:xfrm>
-          <a:prstGeom prst="rect">
-            <a:avLst/>
-          </a:prstGeom>
-        </p:spPr>
-      </p:pic>
-      <p:pic>
-        <p:nvPicPr>
-          <p:cNvPr id="7" name="图片 6" descr="QQ截图20191012143647"/>
-          <p:cNvPicPr>
-            <a:picLocks noChangeAspect="1"/>
-          </p:cNvPicPr>
-          <p:nvPr/>
-        </p:nvPicPr>
-        <p:blipFill>
-          <a:blip r:embed="rId4"/>
-          <a:stretch>
-            <a:fillRect/>
-          </a:stretch>
-        </p:blipFill>
-        <p:spPr>
-          <a:xfrm>
-            <a:off x="6872605" y="1506855"/>
-            <a:ext cx="4371975" cy="5010150"/>
-          </a:xfrm>
-          <a:prstGeom prst="rect">
-            <a:avLst/>
-          </a:prstGeom>
-        </p:spPr>
-      </p:pic>
-    </p:spTree>
-  </p:cSld>
-  <p:clrMapOvr>
-    <a:masterClrMapping/>
-  </p:clrMapOvr>
-  <p:timing>
-    <p:tnLst>
-      <p:par>
-        <p:cTn id="1" dur="indefinite" restart="never" nodeType="tmRoot">
-          <p:childTnLst>
-            <p:seq concurrent="1" nextAc="seek">
-              <p:cTn id="2" dur="indefinite" nodeType="mainSeq">
-                <p:childTnLst>
-                  <p:par>
-                    <p:cTn id="3" fill="hold">
-                      <p:stCondLst>
-                        <p:cond delay="indefinite"/>
-                      </p:stCondLst>
-                      <p:childTnLst>
-                        <p:par>
-                          <p:cTn id="4" fill="hold">
-                            <p:stCondLst>
-                              <p:cond delay="0"/>
-                            </p:stCondLst>
-                            <p:childTnLst>
-                              <p:par>
-                                <p:cTn id="5" presetID="22" presetClass="entr" presetSubtype="4" fill="hold" nodeType="clickEffect">
-                                  <p:stCondLst>
-                                    <p:cond delay="0"/>
-                                  </p:stCondLst>
-                                  <p:childTnLst>
-                                    <p:set>
-                                      <p:cBhvr>
-                                        <p:cTn id="6" dur="1" fill="hold">
-                                          <p:stCondLst>
-                                            <p:cond delay="0"/>
-                                          </p:stCondLst>
-                                        </p:cTn>
-                                        <p:tgtEl>
-                                          <p:spTgt spid="4"/>
-                                        </p:tgtEl>
-                                        <p:attrNameLst>
-                                          <p:attrName>style.visibility</p:attrName>
-                                        </p:attrNameLst>
-                                      </p:cBhvr>
-                                      <p:to>
-                                        <p:strVal val="visible"/>
-                                      </p:to>
-                                    </p:set>
-                                    <p:animEffect transition="in" filter="wipe(down)">
-                                      <p:cBhvr>
-                                        <p:cTn id="7" dur="500"/>
-                                        <p:tgtEl>
-                                          <p:spTgt spid="4"/>
-                                        </p:tgtEl>
-                                      </p:cBhvr>
-                                    </p:animEffect>
-                                  </p:childTnLst>
-                                </p:cTn>
-                              </p:par>
-                            </p:childTnLst>
-                          </p:cTn>
-                        </p:par>
-                      </p:childTnLst>
-                    </p:cTn>
-                  </p:par>
-                  <p:par>
-                    <p:cTn id="8" fill="hold">
-                      <p:stCondLst>
-                        <p:cond delay="indefinite"/>
-                      </p:stCondLst>
-                      <p:childTnLst>
-                        <p:par>
-                          <p:cTn id="9" fill="hold">
-                            <p:stCondLst>
-                              <p:cond delay="0"/>
-                            </p:stCondLst>
-                            <p:childTnLst>
-                              <p:par>
-                                <p:cTn id="10" presetID="3" presetClass="entr" presetSubtype="10" fill="hold" nodeType="clickEffect">
-                                  <p:stCondLst>
-                                    <p:cond delay="0"/>
-                                  </p:stCondLst>
-                                  <p:childTnLst>
-                                    <p:set>
-                                      <p:cBhvr>
-                                        <p:cTn id="11" dur="1" fill="hold">
-                                          <p:stCondLst>
-                                            <p:cond delay="0"/>
-                                          </p:stCondLst>
-                                        </p:cTn>
-                                        <p:tgtEl>
-                                          <p:spTgt spid="5"/>
-                                        </p:tgtEl>
-                                        <p:attrNameLst>
-                                          <p:attrName>style.visibility</p:attrName>
-                                        </p:attrNameLst>
-                                      </p:cBhvr>
-                                      <p:to>
-                                        <p:strVal val="visible"/>
-                                      </p:to>
-                                    </p:set>
-                                    <p:animEffect transition="in" filter="blinds(horizontal)">
-                                      <p:cBhvr>
-                                        <p:cTn id="12" dur="500"/>
-                                        <p:tgtEl>
-                                          <p:spTgt spid="5"/>
-                                        </p:tgtEl>
-                                      </p:cBhvr>
-                                    </p:animEffect>
-                                  </p:childTnLst>
-                                </p:cTn>
-                              </p:par>
-                            </p:childTnLst>
-                          </p:cTn>
-                        </p:par>
-                      </p:childTnLst>
-                    </p:cTn>
-                  </p:par>
-                  <p:par>
-                    <p:cTn id="13" fill="hold">
-                      <p:stCondLst>
-                        <p:cond delay="indefinite"/>
-                      </p:stCondLst>
-                      <p:childTnLst>
-                        <p:par>
-                          <p:cTn id="14" fill="hold">
-                            <p:stCondLst>
-                              <p:cond delay="0"/>
-                            </p:stCondLst>
-                            <p:childTnLst>
-                              <p:par>
-                                <p:cTn id="15" presetID="4" presetClass="entr" presetSubtype="16" fill="hold" nodeType="clickEffect">
-                                  <p:stCondLst>
-                                    <p:cond delay="0"/>
-                                  </p:stCondLst>
-                                  <p:childTnLst>
-                                    <p:set>
-                                      <p:cBhvr>
-                                        <p:cTn id="16" dur="1" fill="hold">
-                                          <p:stCondLst>
-                                            <p:cond delay="0"/>
-                                          </p:stCondLst>
-                                        </p:cTn>
-                                        <p:tgtEl>
-                                          <p:spTgt spid="6"/>
-                                        </p:tgtEl>
-                                        <p:attrNameLst>
-                                          <p:attrName>style.visibility</p:attrName>
-                                        </p:attrNameLst>
-                                      </p:cBhvr>
-                                      <p:to>
-                                        <p:strVal val="visible"/>
-                                      </p:to>
-                                    </p:set>
-                                    <p:animEffect transition="in" filter="box(in)">
-                                      <p:cBhvr>
                                         <p:cTn id="17" dur="2000"/>
                                         <p:tgtEl>
-                                          <p:spTgt spid="6"/>
+                                          <p:spTgt spid="35"/>
                                         </p:tgtEl>
                                       </p:cBhvr>
                                     </p:animEffect>
@@ -9124,7 +9571,7 @@
                             </p:stCondLst>
                             <p:childTnLst>
                               <p:par>
-                                <p:cTn id="20" presetID="3" presetClass="entr" presetSubtype="10" fill="hold" nodeType="clickEffect">
+                                <p:cTn id="20" presetID="8" presetClass="entr" presetSubtype="16" fill="hold" nodeType="clickEffect">
                                   <p:stCondLst>
                                     <p:cond delay="0"/>
                                   </p:stCondLst>
@@ -9137,7 +9584,7 @@
                                           </p:stCondLst>
                                         </p:cTn>
                                         <p:tgtEl>
-                                          <p:spTgt spid="7"/>
+                                          <p:spTgt spid="36"/>
                                         </p:tgtEl>
                                         <p:attrNameLst>
                                           <p:attrName>style.visibility</p:attrName>
@@ -9147,11 +9594,64 @@
                                         <p:strVal val="visible"/>
                                       </p:to>
                                     </p:set>
-                                    <p:animEffect transition="in" filter="blinds(horizontal)">
+                                    <p:animEffect transition="in" filter="diamond(in)">
                                       <p:cBhvr>
-                                        <p:cTn id="22" dur="500"/>
+                                        <p:cTn id="22" dur="2000"/>
                                         <p:tgtEl>
-                                          <p:spTgt spid="7"/>
+                                          <p:spTgt spid="36"/>
+                                        </p:tgtEl>
+                                      </p:cBhvr>
+                                    </p:animEffect>
+                                  </p:childTnLst>
+                                </p:cTn>
+                              </p:par>
+                            </p:childTnLst>
+                          </p:cTn>
+                        </p:par>
+                      </p:childTnLst>
+                    </p:cTn>
+                  </p:par>
+                  <p:par>
+                    <p:cTn id="23" fill="hold">
+                      <p:stCondLst>
+                        <p:cond delay="indefinite"/>
+                      </p:stCondLst>
+                      <p:childTnLst>
+                        <p:par>
+                          <p:cTn id="24" fill="hold">
+                            <p:stCondLst>
+                              <p:cond delay="0"/>
+                            </p:stCondLst>
+                            <p:childTnLst>
+                              <p:par>
+                                <p:cTn id="25" presetID="8" presetClass="entr" presetSubtype="16" fill="hold" nodeType="clickEffect">
+                                  <p:stCondLst>
+                                    <p:cond delay="0"/>
+                                  </p:stCondLst>
+                                  <p:childTnLst>
+                                    <p:set>
+                                      <p:cBhvr>
+                                        <p:cTn id="26" dur="1" fill="hold">
+                                          <p:stCondLst>
+                                            <p:cond delay="0"/>
+                                          </p:stCondLst>
+                                        </p:cTn>
+                                        <p:tgtEl>
+                                          <p:spTgt spid="37"/>
+                                        </p:tgtEl>
+                                        <p:attrNameLst>
+                                          <p:attrName>style.visibility</p:attrName>
+                                        </p:attrNameLst>
+                                      </p:cBhvr>
+                                      <p:to>
+                                        <p:strVal val="visible"/>
+                                      </p:to>
+                                    </p:set>
+                                    <p:animEffect transition="in" filter="diamond(in)">
+                                      <p:cBhvr>
+                                        <p:cTn id="27" dur="2000"/>
+                                        <p:tgtEl>
+                                          <p:spTgt spid="37"/>
                                         </p:tgtEl>
                                       </p:cBhvr>
                                     </p:animEffect>
